--- a/smart-tracking-game/smart-tracking-game-client/public/assets/스마트한_추적놀이_기획.pptx
+++ b/smart-tracking-game/smart-tracking-game-client/public/assets/스마트한_추적놀이_기획.pptx
@@ -267,7 +267,7 @@
           <a:p>
             <a:fld id="{8A62C2BC-BDE8-4A49-BB7E-1836355468BC}" type="datetimeFigureOut">
               <a:rPr lang="ko-KR" altLang="en-US" smtClean="0"/>
-              <a:t>2023-06-13</a:t>
+              <a:t>2023-06-26</a:t>
             </a:fld>
             <a:endParaRPr lang="ko-KR" altLang="en-US"/>
           </a:p>
@@ -465,7 +465,7 @@
           <a:p>
             <a:fld id="{8A62C2BC-BDE8-4A49-BB7E-1836355468BC}" type="datetimeFigureOut">
               <a:rPr lang="ko-KR" altLang="en-US" smtClean="0"/>
-              <a:t>2023-06-13</a:t>
+              <a:t>2023-06-26</a:t>
             </a:fld>
             <a:endParaRPr lang="ko-KR" altLang="en-US"/>
           </a:p>
@@ -673,7 +673,7 @@
           <a:p>
             <a:fld id="{8A62C2BC-BDE8-4A49-BB7E-1836355468BC}" type="datetimeFigureOut">
               <a:rPr lang="ko-KR" altLang="en-US" smtClean="0"/>
-              <a:t>2023-06-13</a:t>
+              <a:t>2023-06-26</a:t>
             </a:fld>
             <a:endParaRPr lang="ko-KR" altLang="en-US"/>
           </a:p>
@@ -871,7 +871,7 @@
           <a:p>
             <a:fld id="{8A62C2BC-BDE8-4A49-BB7E-1836355468BC}" type="datetimeFigureOut">
               <a:rPr lang="ko-KR" altLang="en-US" smtClean="0"/>
-              <a:t>2023-06-13</a:t>
+              <a:t>2023-06-26</a:t>
             </a:fld>
             <a:endParaRPr lang="ko-KR" altLang="en-US"/>
           </a:p>
@@ -1146,7 +1146,7 @@
           <a:p>
             <a:fld id="{8A62C2BC-BDE8-4A49-BB7E-1836355468BC}" type="datetimeFigureOut">
               <a:rPr lang="ko-KR" altLang="en-US" smtClean="0"/>
-              <a:t>2023-06-13</a:t>
+              <a:t>2023-06-26</a:t>
             </a:fld>
             <a:endParaRPr lang="ko-KR" altLang="en-US"/>
           </a:p>
@@ -1411,7 +1411,7 @@
           <a:p>
             <a:fld id="{8A62C2BC-BDE8-4A49-BB7E-1836355468BC}" type="datetimeFigureOut">
               <a:rPr lang="ko-KR" altLang="en-US" smtClean="0"/>
-              <a:t>2023-06-13</a:t>
+              <a:t>2023-06-26</a:t>
             </a:fld>
             <a:endParaRPr lang="ko-KR" altLang="en-US"/>
           </a:p>
@@ -1823,7 +1823,7 @@
           <a:p>
             <a:fld id="{8A62C2BC-BDE8-4A49-BB7E-1836355468BC}" type="datetimeFigureOut">
               <a:rPr lang="ko-KR" altLang="en-US" smtClean="0"/>
-              <a:t>2023-06-13</a:t>
+              <a:t>2023-06-26</a:t>
             </a:fld>
             <a:endParaRPr lang="ko-KR" altLang="en-US"/>
           </a:p>
@@ -1964,7 +1964,7 @@
           <a:p>
             <a:fld id="{8A62C2BC-BDE8-4A49-BB7E-1836355468BC}" type="datetimeFigureOut">
               <a:rPr lang="ko-KR" altLang="en-US" smtClean="0"/>
-              <a:t>2023-06-13</a:t>
+              <a:t>2023-06-26</a:t>
             </a:fld>
             <a:endParaRPr lang="ko-KR" altLang="en-US"/>
           </a:p>
@@ -2077,7 +2077,7 @@
           <a:p>
             <a:fld id="{8A62C2BC-BDE8-4A49-BB7E-1836355468BC}" type="datetimeFigureOut">
               <a:rPr lang="ko-KR" altLang="en-US" smtClean="0"/>
-              <a:t>2023-06-13</a:t>
+              <a:t>2023-06-26</a:t>
             </a:fld>
             <a:endParaRPr lang="ko-KR" altLang="en-US"/>
           </a:p>
@@ -2388,7 +2388,7 @@
           <a:p>
             <a:fld id="{8A62C2BC-BDE8-4A49-BB7E-1836355468BC}" type="datetimeFigureOut">
               <a:rPr lang="ko-KR" altLang="en-US" smtClean="0"/>
-              <a:t>2023-06-13</a:t>
+              <a:t>2023-06-26</a:t>
             </a:fld>
             <a:endParaRPr lang="ko-KR" altLang="en-US"/>
           </a:p>
@@ -2676,7 +2676,7 @@
           <a:p>
             <a:fld id="{8A62C2BC-BDE8-4A49-BB7E-1836355468BC}" type="datetimeFigureOut">
               <a:rPr lang="ko-KR" altLang="en-US" smtClean="0"/>
-              <a:t>2023-06-13</a:t>
+              <a:t>2023-06-26</a:t>
             </a:fld>
             <a:endParaRPr lang="ko-KR" altLang="en-US"/>
           </a:p>
@@ -2917,7 +2917,7 @@
           <a:p>
             <a:fld id="{8A62C2BC-BDE8-4A49-BB7E-1836355468BC}" type="datetimeFigureOut">
               <a:rPr lang="ko-KR" altLang="en-US" smtClean="0"/>
-              <a:t>2023-06-13</a:t>
+              <a:t>2023-06-26</a:t>
             </a:fld>
             <a:endParaRPr lang="ko-KR" altLang="en-US"/>
           </a:p>
@@ -11612,10 +11612,10 @@
       </p:sp>
       <p:grpSp>
         <p:nvGrpSpPr>
-          <p:cNvPr id="16" name="그룹 15">
+          <p:cNvPr id="12" name="그룹 11">
             <a:extLst>
               <a:ext uri="{FF2B5EF4-FFF2-40B4-BE49-F238E27FC236}">
-                <a16:creationId xmlns:a16="http://schemas.microsoft.com/office/drawing/2014/main" id="{3F75057D-1C9C-90DA-6435-BF6C8E7F1555}"/>
+                <a16:creationId xmlns:a16="http://schemas.microsoft.com/office/drawing/2014/main" id="{147FC091-F03A-1804-E278-AAC86A4DF2E5}"/>
               </a:ext>
             </a:extLst>
           </p:cNvPr>
@@ -11630,56 +11630,12 @@
             <a:chExt cx="4179840" cy="4381733"/>
           </a:xfrm>
         </p:grpSpPr>
-        <p:sp>
-          <p:nvSpPr>
-            <p:cNvPr id="31" name="직사각형 30">
+        <p:grpSp>
+          <p:nvGrpSpPr>
+            <p:cNvPr id="16" name="그룹 15">
               <a:extLst>
                 <a:ext uri="{FF2B5EF4-FFF2-40B4-BE49-F238E27FC236}">
-                  <a16:creationId xmlns:a16="http://schemas.microsoft.com/office/drawing/2014/main" id="{030D6558-21DE-8CFA-9FEB-AC22C7EE3D62}"/>
-                </a:ext>
-              </a:extLst>
-            </p:cNvPr>
-            <p:cNvSpPr/>
-            <p:nvPr/>
-          </p:nvSpPr>
-          <p:spPr>
-            <a:xfrm flipV="1">
-              <a:off x="4050198" y="1331949"/>
-              <a:ext cx="4179840" cy="4381733"/>
-            </a:xfrm>
-            <a:prstGeom prst="rect">
-              <a:avLst/>
-            </a:prstGeom>
-          </p:spPr>
-          <p:style>
-            <a:lnRef idx="2">
-              <a:schemeClr val="dk1"/>
-            </a:lnRef>
-            <a:fillRef idx="1">
-              <a:schemeClr val="lt1"/>
-            </a:fillRef>
-            <a:effectRef idx="0">
-              <a:schemeClr val="dk1"/>
-            </a:effectRef>
-            <a:fontRef idx="minor">
-              <a:schemeClr val="dk1"/>
-            </a:fontRef>
-          </p:style>
-          <p:txBody>
-            <a:bodyPr rtlCol="0" anchor="ctr"/>
-            <a:lstStyle/>
-            <a:p>
-              <a:pPr algn="ctr"/>
-              <a:endParaRPr lang="ko-KR" altLang="en-US"/>
-            </a:p>
-          </p:txBody>
-        </p:sp>
-        <p:grpSp>
-          <p:nvGrpSpPr>
-            <p:cNvPr id="93" name="그룹 92">
-              <a:extLst>
-                <a:ext uri="{FF2B5EF4-FFF2-40B4-BE49-F238E27FC236}">
-                  <a16:creationId xmlns:a16="http://schemas.microsoft.com/office/drawing/2014/main" id="{E6AE7FBE-D0A5-ECA8-24FB-DF7F6A46D818}"/>
+                  <a16:creationId xmlns:a16="http://schemas.microsoft.com/office/drawing/2014/main" id="{3F75057D-1C9C-90DA-6435-BF6C8E7F1555}"/>
                 </a:ext>
               </a:extLst>
             </p:cNvPr>
@@ -11688,18 +11644,1118 @@
           </p:nvGrpSpPr>
           <p:grpSpPr>
             <a:xfrm>
-              <a:off x="4179469" y="2572923"/>
-              <a:ext cx="3955498" cy="502990"/>
-              <a:chOff x="4178119" y="2375132"/>
-              <a:chExt cx="3955498" cy="354288"/>
+              <a:off x="4050198" y="1331949"/>
+              <a:ext cx="4179840" cy="4381733"/>
+              <a:chOff x="4050198" y="1331949"/>
+              <a:chExt cx="4179840" cy="4381733"/>
             </a:xfrm>
           </p:grpSpPr>
           <p:sp>
             <p:nvSpPr>
-              <p:cNvPr id="77" name="사각형: 둥근 모서리 76">
+              <p:cNvPr id="31" name="직사각형 30">
                 <a:extLst>
                   <a:ext uri="{FF2B5EF4-FFF2-40B4-BE49-F238E27FC236}">
-                    <a16:creationId xmlns:a16="http://schemas.microsoft.com/office/drawing/2014/main" id="{8BFCC3DB-F04C-AE9D-113E-135AB564817B}"/>
+                    <a16:creationId xmlns:a16="http://schemas.microsoft.com/office/drawing/2014/main" id="{030D6558-21DE-8CFA-9FEB-AC22C7EE3D62}"/>
+                  </a:ext>
+                </a:extLst>
+              </p:cNvPr>
+              <p:cNvSpPr/>
+              <p:nvPr/>
+            </p:nvSpPr>
+            <p:spPr>
+              <a:xfrm flipV="1">
+                <a:off x="4050198" y="1331949"/>
+                <a:ext cx="4179840" cy="4381733"/>
+              </a:xfrm>
+              <a:prstGeom prst="rect">
+                <a:avLst/>
+              </a:prstGeom>
+            </p:spPr>
+            <p:style>
+              <a:lnRef idx="2">
+                <a:schemeClr val="dk1"/>
+              </a:lnRef>
+              <a:fillRef idx="1">
+                <a:schemeClr val="lt1"/>
+              </a:fillRef>
+              <a:effectRef idx="0">
+                <a:schemeClr val="dk1"/>
+              </a:effectRef>
+              <a:fontRef idx="minor">
+                <a:schemeClr val="dk1"/>
+              </a:fontRef>
+            </p:style>
+            <p:txBody>
+              <a:bodyPr rtlCol="0" anchor="ctr"/>
+              <a:lstStyle/>
+              <a:p>
+                <a:pPr algn="ctr"/>
+                <a:endParaRPr lang="ko-KR" altLang="en-US"/>
+              </a:p>
+            </p:txBody>
+          </p:sp>
+          <p:grpSp>
+            <p:nvGrpSpPr>
+              <p:cNvPr id="93" name="그룹 92">
+                <a:extLst>
+                  <a:ext uri="{FF2B5EF4-FFF2-40B4-BE49-F238E27FC236}">
+                    <a16:creationId xmlns:a16="http://schemas.microsoft.com/office/drawing/2014/main" id="{E6AE7FBE-D0A5-ECA8-24FB-DF7F6A46D818}"/>
+                  </a:ext>
+                </a:extLst>
+              </p:cNvPr>
+              <p:cNvGrpSpPr/>
+              <p:nvPr/>
+            </p:nvGrpSpPr>
+            <p:grpSpPr>
+              <a:xfrm>
+                <a:off x="4179469" y="2572923"/>
+                <a:ext cx="3955498" cy="502990"/>
+                <a:chOff x="4178119" y="2375132"/>
+                <a:chExt cx="3955498" cy="354288"/>
+              </a:xfrm>
+            </p:grpSpPr>
+            <p:sp>
+              <p:nvSpPr>
+                <p:cNvPr id="77" name="사각형: 둥근 모서리 76">
+                  <a:extLst>
+                    <a:ext uri="{FF2B5EF4-FFF2-40B4-BE49-F238E27FC236}">
+                      <a16:creationId xmlns:a16="http://schemas.microsoft.com/office/drawing/2014/main" id="{8BFCC3DB-F04C-AE9D-113E-135AB564817B}"/>
+                    </a:ext>
+                  </a:extLst>
+                </p:cNvPr>
+                <p:cNvSpPr/>
+                <p:nvPr/>
+              </p:nvSpPr>
+              <p:spPr>
+                <a:xfrm>
+                  <a:off x="4178119" y="2375132"/>
+                  <a:ext cx="834148" cy="354288"/>
+                </a:xfrm>
+                <a:prstGeom prst="roundRect">
+                  <a:avLst/>
+                </a:prstGeom>
+              </p:spPr>
+              <p:style>
+                <a:lnRef idx="2">
+                  <a:schemeClr val="dk1"/>
+                </a:lnRef>
+                <a:fillRef idx="1">
+                  <a:schemeClr val="lt1"/>
+                </a:fillRef>
+                <a:effectRef idx="0">
+                  <a:schemeClr val="dk1"/>
+                </a:effectRef>
+                <a:fontRef idx="minor">
+                  <a:schemeClr val="dk1"/>
+                </a:fontRef>
+              </p:style>
+              <p:txBody>
+                <a:bodyPr rtlCol="0" anchor="ctr"/>
+                <a:lstStyle/>
+                <a:p>
+                  <a:pPr algn="ctr"/>
+                  <a:r>
+                    <a:rPr lang="en-US" altLang="ko-KR" dirty="0"/>
+                    <a:t>1</a:t>
+                  </a:r>
+                  <a:r>
+                    <a:rPr lang="ko-KR" altLang="en-US" dirty="0"/>
+                    <a:t>번</a:t>
+                  </a:r>
+                  <a:endParaRPr lang="en-US" altLang="ko-KR" dirty="0"/>
+                </a:p>
+              </p:txBody>
+            </p:sp>
+            <p:sp>
+              <p:nvSpPr>
+                <p:cNvPr id="78" name="사각형: 둥근 모서리 77">
+                  <a:extLst>
+                    <a:ext uri="{FF2B5EF4-FFF2-40B4-BE49-F238E27FC236}">
+                      <a16:creationId xmlns:a16="http://schemas.microsoft.com/office/drawing/2014/main" id="{F2EC4649-F023-2D0E-03A1-B3FF7B9A605E}"/>
+                    </a:ext>
+                  </a:extLst>
+                </p:cNvPr>
+                <p:cNvSpPr/>
+                <p:nvPr/>
+              </p:nvSpPr>
+              <p:spPr>
+                <a:xfrm>
+                  <a:off x="7299469" y="2375132"/>
+                  <a:ext cx="834148" cy="354288"/>
+                </a:xfrm>
+                <a:prstGeom prst="roundRect">
+                  <a:avLst/>
+                </a:prstGeom>
+              </p:spPr>
+              <p:style>
+                <a:lnRef idx="2">
+                  <a:schemeClr val="dk1"/>
+                </a:lnRef>
+                <a:fillRef idx="1">
+                  <a:schemeClr val="lt1"/>
+                </a:fillRef>
+                <a:effectRef idx="0">
+                  <a:schemeClr val="dk1"/>
+                </a:effectRef>
+                <a:fontRef idx="minor">
+                  <a:schemeClr val="dk1"/>
+                </a:fontRef>
+              </p:style>
+              <p:txBody>
+                <a:bodyPr rtlCol="0" anchor="ctr"/>
+                <a:lstStyle/>
+                <a:p>
+                  <a:pPr algn="ctr"/>
+                  <a:r>
+                    <a:rPr lang="en-US" altLang="ko-KR" dirty="0"/>
+                    <a:t>4</a:t>
+                  </a:r>
+                  <a:r>
+                    <a:rPr lang="ko-KR" altLang="en-US" dirty="0"/>
+                    <a:t>번</a:t>
+                  </a:r>
+                  <a:endParaRPr lang="en-US" altLang="ko-KR" dirty="0"/>
+                </a:p>
+              </p:txBody>
+            </p:sp>
+            <p:sp>
+              <p:nvSpPr>
+                <p:cNvPr id="79" name="사각형: 둥근 모서리 78">
+                  <a:extLst>
+                    <a:ext uri="{FF2B5EF4-FFF2-40B4-BE49-F238E27FC236}">
+                      <a16:creationId xmlns:a16="http://schemas.microsoft.com/office/drawing/2014/main" id="{725C82EB-7673-8387-E51C-F5190632C134}"/>
+                    </a:ext>
+                  </a:extLst>
+                </p:cNvPr>
+                <p:cNvSpPr/>
+                <p:nvPr/>
+              </p:nvSpPr>
+              <p:spPr>
+                <a:xfrm>
+                  <a:off x="6259019" y="2375132"/>
+                  <a:ext cx="834148" cy="354288"/>
+                </a:xfrm>
+                <a:prstGeom prst="roundRect">
+                  <a:avLst/>
+                </a:prstGeom>
+              </p:spPr>
+              <p:style>
+                <a:lnRef idx="2">
+                  <a:schemeClr val="dk1"/>
+                </a:lnRef>
+                <a:fillRef idx="1">
+                  <a:schemeClr val="lt1"/>
+                </a:fillRef>
+                <a:effectRef idx="0">
+                  <a:schemeClr val="dk1"/>
+                </a:effectRef>
+                <a:fontRef idx="minor">
+                  <a:schemeClr val="dk1"/>
+                </a:fontRef>
+              </p:style>
+              <p:txBody>
+                <a:bodyPr rtlCol="0" anchor="ctr"/>
+                <a:lstStyle/>
+                <a:p>
+                  <a:pPr algn="ctr"/>
+                  <a:r>
+                    <a:rPr lang="en-US" altLang="ko-KR" dirty="0"/>
+                    <a:t>3</a:t>
+                  </a:r>
+                  <a:r>
+                    <a:rPr lang="ko-KR" altLang="en-US" dirty="0"/>
+                    <a:t>번</a:t>
+                  </a:r>
+                  <a:endParaRPr lang="en-US" altLang="ko-KR" dirty="0"/>
+                </a:p>
+              </p:txBody>
+            </p:sp>
+            <p:sp>
+              <p:nvSpPr>
+                <p:cNvPr id="80" name="사각형: 둥근 모서리 79">
+                  <a:extLst>
+                    <a:ext uri="{FF2B5EF4-FFF2-40B4-BE49-F238E27FC236}">
+                      <a16:creationId xmlns:a16="http://schemas.microsoft.com/office/drawing/2014/main" id="{ACAABC10-3D3F-28C1-507B-FF9E8D641E9D}"/>
+                    </a:ext>
+                  </a:extLst>
+                </p:cNvPr>
+                <p:cNvSpPr/>
+                <p:nvPr/>
+              </p:nvSpPr>
+              <p:spPr>
+                <a:xfrm>
+                  <a:off x="5218569" y="2375132"/>
+                  <a:ext cx="834148" cy="354288"/>
+                </a:xfrm>
+                <a:prstGeom prst="roundRect">
+                  <a:avLst/>
+                </a:prstGeom>
+              </p:spPr>
+              <p:style>
+                <a:lnRef idx="2">
+                  <a:schemeClr val="dk1"/>
+                </a:lnRef>
+                <a:fillRef idx="1">
+                  <a:schemeClr val="lt1"/>
+                </a:fillRef>
+                <a:effectRef idx="0">
+                  <a:schemeClr val="dk1"/>
+                </a:effectRef>
+                <a:fontRef idx="minor">
+                  <a:schemeClr val="dk1"/>
+                </a:fontRef>
+              </p:style>
+              <p:txBody>
+                <a:bodyPr rtlCol="0" anchor="ctr"/>
+                <a:lstStyle/>
+                <a:p>
+                  <a:pPr algn="ctr"/>
+                  <a:r>
+                    <a:rPr lang="en-US" altLang="ko-KR" dirty="0"/>
+                    <a:t>2</a:t>
+                  </a:r>
+                  <a:r>
+                    <a:rPr lang="ko-KR" altLang="en-US" dirty="0"/>
+                    <a:t>번</a:t>
+                  </a:r>
+                  <a:endParaRPr lang="en-US" altLang="ko-KR" dirty="0"/>
+                </a:p>
+              </p:txBody>
+            </p:sp>
+          </p:grpSp>
+          <p:grpSp>
+            <p:nvGrpSpPr>
+              <p:cNvPr id="94" name="그룹 93">
+                <a:extLst>
+                  <a:ext uri="{FF2B5EF4-FFF2-40B4-BE49-F238E27FC236}">
+                    <a16:creationId xmlns:a16="http://schemas.microsoft.com/office/drawing/2014/main" id="{48EC9726-71DE-B702-AC45-848D632EC8BE}"/>
+                  </a:ext>
+                </a:extLst>
+              </p:cNvPr>
+              <p:cNvGrpSpPr/>
+              <p:nvPr/>
+            </p:nvGrpSpPr>
+            <p:grpSpPr>
+              <a:xfrm>
+                <a:off x="4179469" y="3386038"/>
+                <a:ext cx="3955498" cy="502990"/>
+                <a:chOff x="4187936" y="3303744"/>
+                <a:chExt cx="3955498" cy="354288"/>
+              </a:xfrm>
+            </p:grpSpPr>
+            <p:sp>
+              <p:nvSpPr>
+                <p:cNvPr id="81" name="사각형: 둥근 모서리 80">
+                  <a:extLst>
+                    <a:ext uri="{FF2B5EF4-FFF2-40B4-BE49-F238E27FC236}">
+                      <a16:creationId xmlns:a16="http://schemas.microsoft.com/office/drawing/2014/main" id="{CD9B2740-0438-FEAA-3D65-37C898A77343}"/>
+                    </a:ext>
+                  </a:extLst>
+                </p:cNvPr>
+                <p:cNvSpPr/>
+                <p:nvPr/>
+              </p:nvSpPr>
+              <p:spPr>
+                <a:xfrm>
+                  <a:off x="4187936" y="3303744"/>
+                  <a:ext cx="834148" cy="354288"/>
+                </a:xfrm>
+                <a:prstGeom prst="roundRect">
+                  <a:avLst/>
+                </a:prstGeom>
+              </p:spPr>
+              <p:style>
+                <a:lnRef idx="2">
+                  <a:schemeClr val="dk1"/>
+                </a:lnRef>
+                <a:fillRef idx="1">
+                  <a:schemeClr val="lt1"/>
+                </a:fillRef>
+                <a:effectRef idx="0">
+                  <a:schemeClr val="dk1"/>
+                </a:effectRef>
+                <a:fontRef idx="minor">
+                  <a:schemeClr val="dk1"/>
+                </a:fontRef>
+              </p:style>
+              <p:txBody>
+                <a:bodyPr rtlCol="0" anchor="ctr"/>
+                <a:lstStyle/>
+                <a:p>
+                  <a:pPr algn="ctr"/>
+                  <a:r>
+                    <a:rPr lang="en-US" altLang="ko-KR" dirty="0"/>
+                    <a:t>5</a:t>
+                  </a:r>
+                  <a:r>
+                    <a:rPr lang="ko-KR" altLang="en-US" dirty="0"/>
+                    <a:t>번</a:t>
+                  </a:r>
+                  <a:endParaRPr lang="en-US" altLang="ko-KR" dirty="0"/>
+                </a:p>
+              </p:txBody>
+            </p:sp>
+            <p:sp>
+              <p:nvSpPr>
+                <p:cNvPr id="82" name="사각형: 둥근 모서리 81">
+                  <a:extLst>
+                    <a:ext uri="{FF2B5EF4-FFF2-40B4-BE49-F238E27FC236}">
+                      <a16:creationId xmlns:a16="http://schemas.microsoft.com/office/drawing/2014/main" id="{4ED59FF2-6897-187D-D01A-BC389623490C}"/>
+                    </a:ext>
+                  </a:extLst>
+                </p:cNvPr>
+                <p:cNvSpPr/>
+                <p:nvPr/>
+              </p:nvSpPr>
+              <p:spPr>
+                <a:xfrm>
+                  <a:off x="7309286" y="3303744"/>
+                  <a:ext cx="834148" cy="354288"/>
+                </a:xfrm>
+                <a:prstGeom prst="roundRect">
+                  <a:avLst/>
+                </a:prstGeom>
+              </p:spPr>
+              <p:style>
+                <a:lnRef idx="2">
+                  <a:schemeClr val="dk1"/>
+                </a:lnRef>
+                <a:fillRef idx="1">
+                  <a:schemeClr val="lt1"/>
+                </a:fillRef>
+                <a:effectRef idx="0">
+                  <a:schemeClr val="dk1"/>
+                </a:effectRef>
+                <a:fontRef idx="minor">
+                  <a:schemeClr val="dk1"/>
+                </a:fontRef>
+              </p:style>
+              <p:txBody>
+                <a:bodyPr rtlCol="0" anchor="ctr"/>
+                <a:lstStyle/>
+                <a:p>
+                  <a:pPr algn="ctr"/>
+                  <a:r>
+                    <a:rPr lang="en-US" altLang="ko-KR" dirty="0"/>
+                    <a:t>8</a:t>
+                  </a:r>
+                  <a:r>
+                    <a:rPr lang="ko-KR" altLang="en-US" dirty="0"/>
+                    <a:t>번</a:t>
+                  </a:r>
+                  <a:endParaRPr lang="en-US" altLang="ko-KR" dirty="0"/>
+                </a:p>
+              </p:txBody>
+            </p:sp>
+            <p:sp>
+              <p:nvSpPr>
+                <p:cNvPr id="83" name="사각형: 둥근 모서리 82">
+                  <a:extLst>
+                    <a:ext uri="{FF2B5EF4-FFF2-40B4-BE49-F238E27FC236}">
+                      <a16:creationId xmlns:a16="http://schemas.microsoft.com/office/drawing/2014/main" id="{20EEC34B-0578-8756-B788-54A675A80B4D}"/>
+                    </a:ext>
+                  </a:extLst>
+                </p:cNvPr>
+                <p:cNvSpPr/>
+                <p:nvPr/>
+              </p:nvSpPr>
+              <p:spPr>
+                <a:xfrm>
+                  <a:off x="6268836" y="3303744"/>
+                  <a:ext cx="834148" cy="354288"/>
+                </a:xfrm>
+                <a:prstGeom prst="roundRect">
+                  <a:avLst/>
+                </a:prstGeom>
+              </p:spPr>
+              <p:style>
+                <a:lnRef idx="2">
+                  <a:schemeClr val="dk1"/>
+                </a:lnRef>
+                <a:fillRef idx="1">
+                  <a:schemeClr val="lt1"/>
+                </a:fillRef>
+                <a:effectRef idx="0">
+                  <a:schemeClr val="dk1"/>
+                </a:effectRef>
+                <a:fontRef idx="minor">
+                  <a:schemeClr val="dk1"/>
+                </a:fontRef>
+              </p:style>
+              <p:txBody>
+                <a:bodyPr rtlCol="0" anchor="ctr"/>
+                <a:lstStyle/>
+                <a:p>
+                  <a:pPr algn="ctr"/>
+                  <a:r>
+                    <a:rPr lang="en-US" altLang="ko-KR" dirty="0"/>
+                    <a:t>7</a:t>
+                  </a:r>
+                  <a:r>
+                    <a:rPr lang="ko-KR" altLang="en-US" dirty="0"/>
+                    <a:t>번</a:t>
+                  </a:r>
+                  <a:endParaRPr lang="en-US" altLang="ko-KR" dirty="0"/>
+                </a:p>
+              </p:txBody>
+            </p:sp>
+            <p:sp>
+              <p:nvSpPr>
+                <p:cNvPr id="84" name="사각형: 둥근 모서리 83">
+                  <a:extLst>
+                    <a:ext uri="{FF2B5EF4-FFF2-40B4-BE49-F238E27FC236}">
+                      <a16:creationId xmlns:a16="http://schemas.microsoft.com/office/drawing/2014/main" id="{BDE5516E-04E0-4AA6-EEB6-4419694004B2}"/>
+                    </a:ext>
+                  </a:extLst>
+                </p:cNvPr>
+                <p:cNvSpPr/>
+                <p:nvPr/>
+              </p:nvSpPr>
+              <p:spPr>
+                <a:xfrm>
+                  <a:off x="5228386" y="3303744"/>
+                  <a:ext cx="834148" cy="354288"/>
+                </a:xfrm>
+                <a:prstGeom prst="roundRect">
+                  <a:avLst/>
+                </a:prstGeom>
+              </p:spPr>
+              <p:style>
+                <a:lnRef idx="2">
+                  <a:schemeClr val="dk1"/>
+                </a:lnRef>
+                <a:fillRef idx="1">
+                  <a:schemeClr val="lt1"/>
+                </a:fillRef>
+                <a:effectRef idx="0">
+                  <a:schemeClr val="dk1"/>
+                </a:effectRef>
+                <a:fontRef idx="minor">
+                  <a:schemeClr val="dk1"/>
+                </a:fontRef>
+              </p:style>
+              <p:txBody>
+                <a:bodyPr rtlCol="0" anchor="ctr"/>
+                <a:lstStyle/>
+                <a:p>
+                  <a:pPr algn="ctr"/>
+                  <a:r>
+                    <a:rPr lang="en-US" altLang="ko-KR" dirty="0"/>
+                    <a:t>6</a:t>
+                  </a:r>
+                  <a:r>
+                    <a:rPr lang="ko-KR" altLang="en-US" dirty="0"/>
+                    <a:t>번</a:t>
+                  </a:r>
+                  <a:endParaRPr lang="en-US" altLang="ko-KR" dirty="0"/>
+                </a:p>
+              </p:txBody>
+            </p:sp>
+          </p:grpSp>
+          <p:grpSp>
+            <p:nvGrpSpPr>
+              <p:cNvPr id="95" name="그룹 94">
+                <a:extLst>
+                  <a:ext uri="{FF2B5EF4-FFF2-40B4-BE49-F238E27FC236}">
+                    <a16:creationId xmlns:a16="http://schemas.microsoft.com/office/drawing/2014/main" id="{8734F366-D89C-2766-25CD-0F9858DFC880}"/>
+                  </a:ext>
+                </a:extLst>
+              </p:cNvPr>
+              <p:cNvGrpSpPr/>
+              <p:nvPr/>
+            </p:nvGrpSpPr>
+            <p:grpSpPr>
+              <a:xfrm>
+                <a:off x="4179469" y="4199153"/>
+                <a:ext cx="3955498" cy="502990"/>
+                <a:chOff x="4187936" y="4232356"/>
+                <a:chExt cx="3955498" cy="354288"/>
+              </a:xfrm>
+            </p:grpSpPr>
+            <p:sp>
+              <p:nvSpPr>
+                <p:cNvPr id="85" name="사각형: 둥근 모서리 84">
+                  <a:extLst>
+                    <a:ext uri="{FF2B5EF4-FFF2-40B4-BE49-F238E27FC236}">
+                      <a16:creationId xmlns:a16="http://schemas.microsoft.com/office/drawing/2014/main" id="{44984927-2F20-5D5E-C335-B92AEADA5BC3}"/>
+                    </a:ext>
+                  </a:extLst>
+                </p:cNvPr>
+                <p:cNvSpPr/>
+                <p:nvPr/>
+              </p:nvSpPr>
+              <p:spPr>
+                <a:xfrm>
+                  <a:off x="4187936" y="4232356"/>
+                  <a:ext cx="834148" cy="354288"/>
+                </a:xfrm>
+                <a:prstGeom prst="roundRect">
+                  <a:avLst/>
+                </a:prstGeom>
+              </p:spPr>
+              <p:style>
+                <a:lnRef idx="2">
+                  <a:schemeClr val="dk1"/>
+                </a:lnRef>
+                <a:fillRef idx="1">
+                  <a:schemeClr val="lt1"/>
+                </a:fillRef>
+                <a:effectRef idx="0">
+                  <a:schemeClr val="dk1"/>
+                </a:effectRef>
+                <a:fontRef idx="minor">
+                  <a:schemeClr val="dk1"/>
+                </a:fontRef>
+              </p:style>
+              <p:txBody>
+                <a:bodyPr rtlCol="0" anchor="ctr"/>
+                <a:lstStyle/>
+                <a:p>
+                  <a:pPr algn="ctr"/>
+                  <a:r>
+                    <a:rPr lang="en-US" altLang="ko-KR" dirty="0"/>
+                    <a:t>9</a:t>
+                  </a:r>
+                  <a:r>
+                    <a:rPr lang="ko-KR" altLang="en-US" dirty="0"/>
+                    <a:t>번</a:t>
+                  </a:r>
+                  <a:endParaRPr lang="en-US" altLang="ko-KR" dirty="0"/>
+                </a:p>
+              </p:txBody>
+            </p:sp>
+            <p:sp>
+              <p:nvSpPr>
+                <p:cNvPr id="86" name="사각형: 둥근 모서리 85">
+                  <a:extLst>
+                    <a:ext uri="{FF2B5EF4-FFF2-40B4-BE49-F238E27FC236}">
+                      <a16:creationId xmlns:a16="http://schemas.microsoft.com/office/drawing/2014/main" id="{5FA62FEA-B0EC-07D3-B699-8CA42722E16E}"/>
+                    </a:ext>
+                  </a:extLst>
+                </p:cNvPr>
+                <p:cNvSpPr/>
+                <p:nvPr/>
+              </p:nvSpPr>
+              <p:spPr>
+                <a:xfrm>
+                  <a:off x="7309286" y="4232356"/>
+                  <a:ext cx="834148" cy="354288"/>
+                </a:xfrm>
+                <a:prstGeom prst="roundRect">
+                  <a:avLst/>
+                </a:prstGeom>
+              </p:spPr>
+              <p:style>
+                <a:lnRef idx="2">
+                  <a:schemeClr val="dk1"/>
+                </a:lnRef>
+                <a:fillRef idx="1">
+                  <a:schemeClr val="lt1"/>
+                </a:fillRef>
+                <a:effectRef idx="0">
+                  <a:schemeClr val="dk1"/>
+                </a:effectRef>
+                <a:fontRef idx="minor">
+                  <a:schemeClr val="dk1"/>
+                </a:fontRef>
+              </p:style>
+              <p:txBody>
+                <a:bodyPr rtlCol="0" anchor="ctr"/>
+                <a:lstStyle/>
+                <a:p>
+                  <a:pPr algn="ctr"/>
+                  <a:r>
+                    <a:rPr lang="en-US" altLang="ko-KR" dirty="0"/>
+                    <a:t>12</a:t>
+                  </a:r>
+                  <a:r>
+                    <a:rPr lang="ko-KR" altLang="en-US" dirty="0"/>
+                    <a:t>번</a:t>
+                  </a:r>
+                  <a:endParaRPr lang="en-US" altLang="ko-KR" dirty="0"/>
+                </a:p>
+              </p:txBody>
+            </p:sp>
+            <p:sp>
+              <p:nvSpPr>
+                <p:cNvPr id="87" name="사각형: 둥근 모서리 86">
+                  <a:extLst>
+                    <a:ext uri="{FF2B5EF4-FFF2-40B4-BE49-F238E27FC236}">
+                      <a16:creationId xmlns:a16="http://schemas.microsoft.com/office/drawing/2014/main" id="{F11E9318-4A61-29AD-CBEC-85219604A97A}"/>
+                    </a:ext>
+                  </a:extLst>
+                </p:cNvPr>
+                <p:cNvSpPr/>
+                <p:nvPr/>
+              </p:nvSpPr>
+              <p:spPr>
+                <a:xfrm>
+                  <a:off x="6268836" y="4232356"/>
+                  <a:ext cx="834148" cy="354288"/>
+                </a:xfrm>
+                <a:prstGeom prst="roundRect">
+                  <a:avLst/>
+                </a:prstGeom>
+              </p:spPr>
+              <p:style>
+                <a:lnRef idx="2">
+                  <a:schemeClr val="dk1"/>
+                </a:lnRef>
+                <a:fillRef idx="1">
+                  <a:schemeClr val="lt1"/>
+                </a:fillRef>
+                <a:effectRef idx="0">
+                  <a:schemeClr val="dk1"/>
+                </a:effectRef>
+                <a:fontRef idx="minor">
+                  <a:schemeClr val="dk1"/>
+                </a:fontRef>
+              </p:style>
+              <p:txBody>
+                <a:bodyPr rtlCol="0" anchor="ctr"/>
+                <a:lstStyle/>
+                <a:p>
+                  <a:pPr algn="ctr"/>
+                  <a:r>
+                    <a:rPr lang="en-US" altLang="ko-KR" dirty="0"/>
+                    <a:t>11</a:t>
+                  </a:r>
+                  <a:r>
+                    <a:rPr lang="ko-KR" altLang="en-US" dirty="0"/>
+                    <a:t>번</a:t>
+                  </a:r>
+                  <a:endParaRPr lang="en-US" altLang="ko-KR" dirty="0"/>
+                </a:p>
+              </p:txBody>
+            </p:sp>
+            <p:sp>
+              <p:nvSpPr>
+                <p:cNvPr id="88" name="사각형: 둥근 모서리 87">
+                  <a:extLst>
+                    <a:ext uri="{FF2B5EF4-FFF2-40B4-BE49-F238E27FC236}">
+                      <a16:creationId xmlns:a16="http://schemas.microsoft.com/office/drawing/2014/main" id="{BA76A738-2B95-DEB7-841C-B95673F0FE04}"/>
+                    </a:ext>
+                  </a:extLst>
+                </p:cNvPr>
+                <p:cNvSpPr/>
+                <p:nvPr/>
+              </p:nvSpPr>
+              <p:spPr>
+                <a:xfrm>
+                  <a:off x="5228386" y="4232356"/>
+                  <a:ext cx="834148" cy="354288"/>
+                </a:xfrm>
+                <a:prstGeom prst="roundRect">
+                  <a:avLst/>
+                </a:prstGeom>
+              </p:spPr>
+              <p:style>
+                <a:lnRef idx="2">
+                  <a:schemeClr val="dk1"/>
+                </a:lnRef>
+                <a:fillRef idx="1">
+                  <a:schemeClr val="lt1"/>
+                </a:fillRef>
+                <a:effectRef idx="0">
+                  <a:schemeClr val="dk1"/>
+                </a:effectRef>
+                <a:fontRef idx="minor">
+                  <a:schemeClr val="dk1"/>
+                </a:fontRef>
+              </p:style>
+              <p:txBody>
+                <a:bodyPr rtlCol="0" anchor="ctr"/>
+                <a:lstStyle/>
+                <a:p>
+                  <a:pPr algn="ctr"/>
+                  <a:r>
+                    <a:rPr lang="en-US" altLang="ko-KR" dirty="0"/>
+                    <a:t>10</a:t>
+                  </a:r>
+                  <a:r>
+                    <a:rPr lang="ko-KR" altLang="en-US" dirty="0"/>
+                    <a:t>번</a:t>
+                  </a:r>
+                  <a:endParaRPr lang="en-US" altLang="ko-KR" dirty="0"/>
+                </a:p>
+              </p:txBody>
+            </p:sp>
+          </p:grpSp>
+          <p:grpSp>
+            <p:nvGrpSpPr>
+              <p:cNvPr id="96" name="그룹 95">
+                <a:extLst>
+                  <a:ext uri="{FF2B5EF4-FFF2-40B4-BE49-F238E27FC236}">
+                    <a16:creationId xmlns:a16="http://schemas.microsoft.com/office/drawing/2014/main" id="{94F88C1A-6C7F-2530-9317-CE963ED24DDA}"/>
+                  </a:ext>
+                </a:extLst>
+              </p:cNvPr>
+              <p:cNvGrpSpPr/>
+              <p:nvPr/>
+            </p:nvGrpSpPr>
+            <p:grpSpPr>
+              <a:xfrm>
+                <a:off x="4179469" y="5012267"/>
+                <a:ext cx="3955498" cy="502990"/>
+                <a:chOff x="4187936" y="5160969"/>
+                <a:chExt cx="3955498" cy="354288"/>
+              </a:xfrm>
+            </p:grpSpPr>
+            <p:sp>
+              <p:nvSpPr>
+                <p:cNvPr id="89" name="사각형: 둥근 모서리 88">
+                  <a:extLst>
+                    <a:ext uri="{FF2B5EF4-FFF2-40B4-BE49-F238E27FC236}">
+                      <a16:creationId xmlns:a16="http://schemas.microsoft.com/office/drawing/2014/main" id="{AE46EB30-C58F-6D16-049F-C00789C99B57}"/>
+                    </a:ext>
+                  </a:extLst>
+                </p:cNvPr>
+                <p:cNvSpPr/>
+                <p:nvPr/>
+              </p:nvSpPr>
+              <p:spPr>
+                <a:xfrm>
+                  <a:off x="4187936" y="5160969"/>
+                  <a:ext cx="834148" cy="354288"/>
+                </a:xfrm>
+                <a:prstGeom prst="roundRect">
+                  <a:avLst/>
+                </a:prstGeom>
+              </p:spPr>
+              <p:style>
+                <a:lnRef idx="2">
+                  <a:schemeClr val="dk1"/>
+                </a:lnRef>
+                <a:fillRef idx="1">
+                  <a:schemeClr val="lt1"/>
+                </a:fillRef>
+                <a:effectRef idx="0">
+                  <a:schemeClr val="dk1"/>
+                </a:effectRef>
+                <a:fontRef idx="minor">
+                  <a:schemeClr val="dk1"/>
+                </a:fontRef>
+              </p:style>
+              <p:txBody>
+                <a:bodyPr rtlCol="0" anchor="ctr"/>
+                <a:lstStyle/>
+                <a:p>
+                  <a:pPr algn="ctr"/>
+                  <a:r>
+                    <a:rPr lang="en-US" altLang="ko-KR" dirty="0"/>
+                    <a:t>13</a:t>
+                  </a:r>
+                  <a:r>
+                    <a:rPr lang="ko-KR" altLang="en-US" dirty="0"/>
+                    <a:t>번</a:t>
+                  </a:r>
+                  <a:endParaRPr lang="en-US" altLang="ko-KR" dirty="0"/>
+                </a:p>
+              </p:txBody>
+            </p:sp>
+            <p:sp>
+              <p:nvSpPr>
+                <p:cNvPr id="90" name="사각형: 둥근 모서리 89">
+                  <a:extLst>
+                    <a:ext uri="{FF2B5EF4-FFF2-40B4-BE49-F238E27FC236}">
+                      <a16:creationId xmlns:a16="http://schemas.microsoft.com/office/drawing/2014/main" id="{F6A98318-20E9-9E0B-1969-9736C67B9971}"/>
+                    </a:ext>
+                  </a:extLst>
+                </p:cNvPr>
+                <p:cNvSpPr/>
+                <p:nvPr/>
+              </p:nvSpPr>
+              <p:spPr>
+                <a:xfrm>
+                  <a:off x="7309286" y="5160969"/>
+                  <a:ext cx="834148" cy="354288"/>
+                </a:xfrm>
+                <a:prstGeom prst="roundRect">
+                  <a:avLst/>
+                </a:prstGeom>
+              </p:spPr>
+              <p:style>
+                <a:lnRef idx="2">
+                  <a:schemeClr val="dk1"/>
+                </a:lnRef>
+                <a:fillRef idx="1">
+                  <a:schemeClr val="lt1"/>
+                </a:fillRef>
+                <a:effectRef idx="0">
+                  <a:schemeClr val="dk1"/>
+                </a:effectRef>
+                <a:fontRef idx="minor">
+                  <a:schemeClr val="dk1"/>
+                </a:fontRef>
+              </p:style>
+              <p:txBody>
+                <a:bodyPr rtlCol="0" anchor="ctr"/>
+                <a:lstStyle/>
+                <a:p>
+                  <a:pPr algn="ctr"/>
+                  <a:r>
+                    <a:rPr lang="en-US" altLang="ko-KR" dirty="0"/>
+                    <a:t>16</a:t>
+                  </a:r>
+                  <a:r>
+                    <a:rPr lang="ko-KR" altLang="en-US" dirty="0"/>
+                    <a:t>번</a:t>
+                  </a:r>
+                  <a:endParaRPr lang="en-US" altLang="ko-KR" dirty="0"/>
+                </a:p>
+              </p:txBody>
+            </p:sp>
+            <p:sp>
+              <p:nvSpPr>
+                <p:cNvPr id="91" name="사각형: 둥근 모서리 90">
+                  <a:extLst>
+                    <a:ext uri="{FF2B5EF4-FFF2-40B4-BE49-F238E27FC236}">
+                      <a16:creationId xmlns:a16="http://schemas.microsoft.com/office/drawing/2014/main" id="{A1698C3C-8796-6B0A-9D45-24EFC7047BA8}"/>
+                    </a:ext>
+                  </a:extLst>
+                </p:cNvPr>
+                <p:cNvSpPr/>
+                <p:nvPr/>
+              </p:nvSpPr>
+              <p:spPr>
+                <a:xfrm>
+                  <a:off x="6268836" y="5160969"/>
+                  <a:ext cx="834148" cy="354288"/>
+                </a:xfrm>
+                <a:prstGeom prst="roundRect">
+                  <a:avLst/>
+                </a:prstGeom>
+              </p:spPr>
+              <p:style>
+                <a:lnRef idx="2">
+                  <a:schemeClr val="dk1"/>
+                </a:lnRef>
+                <a:fillRef idx="1">
+                  <a:schemeClr val="lt1"/>
+                </a:fillRef>
+                <a:effectRef idx="0">
+                  <a:schemeClr val="dk1"/>
+                </a:effectRef>
+                <a:fontRef idx="minor">
+                  <a:schemeClr val="dk1"/>
+                </a:fontRef>
+              </p:style>
+              <p:txBody>
+                <a:bodyPr rtlCol="0" anchor="ctr"/>
+                <a:lstStyle/>
+                <a:p>
+                  <a:pPr algn="ctr"/>
+                  <a:r>
+                    <a:rPr lang="en-US" altLang="ko-KR" dirty="0"/>
+                    <a:t>15</a:t>
+                  </a:r>
+                  <a:r>
+                    <a:rPr lang="ko-KR" altLang="en-US" dirty="0"/>
+                    <a:t>번</a:t>
+                  </a:r>
+                  <a:endParaRPr lang="en-US" altLang="ko-KR" dirty="0"/>
+                </a:p>
+              </p:txBody>
+            </p:sp>
+            <p:sp>
+              <p:nvSpPr>
+                <p:cNvPr id="92" name="사각형: 둥근 모서리 91">
+                  <a:extLst>
+                    <a:ext uri="{FF2B5EF4-FFF2-40B4-BE49-F238E27FC236}">
+                      <a16:creationId xmlns:a16="http://schemas.microsoft.com/office/drawing/2014/main" id="{2A25A215-3A15-3C8E-FC38-16E4B683FA2A}"/>
+                    </a:ext>
+                  </a:extLst>
+                </p:cNvPr>
+                <p:cNvSpPr/>
+                <p:nvPr/>
+              </p:nvSpPr>
+              <p:spPr>
+                <a:xfrm>
+                  <a:off x="5228386" y="5160969"/>
+                  <a:ext cx="834148" cy="354288"/>
+                </a:xfrm>
+                <a:prstGeom prst="roundRect">
+                  <a:avLst/>
+                </a:prstGeom>
+              </p:spPr>
+              <p:style>
+                <a:lnRef idx="2">
+                  <a:schemeClr val="dk1"/>
+                </a:lnRef>
+                <a:fillRef idx="1">
+                  <a:schemeClr val="lt1"/>
+                </a:fillRef>
+                <a:effectRef idx="0">
+                  <a:schemeClr val="dk1"/>
+                </a:effectRef>
+                <a:fontRef idx="minor">
+                  <a:schemeClr val="dk1"/>
+                </a:fontRef>
+              </p:style>
+              <p:txBody>
+                <a:bodyPr rtlCol="0" anchor="ctr"/>
+                <a:lstStyle/>
+                <a:p>
+                  <a:pPr algn="ctr"/>
+                  <a:r>
+                    <a:rPr lang="en-US" altLang="ko-KR" dirty="0"/>
+                    <a:t>14</a:t>
+                  </a:r>
+                  <a:r>
+                    <a:rPr lang="ko-KR" altLang="en-US" dirty="0"/>
+                    <a:t>번</a:t>
+                  </a:r>
+                  <a:endParaRPr lang="en-US" altLang="ko-KR" dirty="0"/>
+                </a:p>
+              </p:txBody>
+            </p:sp>
+          </p:grpSp>
+          <p:sp>
+            <p:nvSpPr>
+              <p:cNvPr id="2" name="TextBox 1">
+                <a:extLst>
+                  <a:ext uri="{FF2B5EF4-FFF2-40B4-BE49-F238E27FC236}">
+                    <a16:creationId xmlns:a16="http://schemas.microsoft.com/office/drawing/2014/main" id="{F7758ADA-86AC-E68D-7429-3760AF525E50}"/>
+                  </a:ext>
+                </a:extLst>
+              </p:cNvPr>
+              <p:cNvSpPr txBox="1"/>
+              <p:nvPr/>
+            </p:nvSpPr>
+            <p:spPr>
+              <a:xfrm>
+                <a:off x="4111135" y="1932937"/>
+                <a:ext cx="560654" cy="307777"/>
+              </a:xfrm>
+              <a:prstGeom prst="rect">
+                <a:avLst/>
+              </a:prstGeom>
+              <a:noFill/>
+            </p:spPr>
+            <p:txBody>
+              <a:bodyPr wrap="square" rtlCol="0">
+                <a:spAutoFit/>
+              </a:bodyPr>
+              <a:lstStyle/>
+              <a:p>
+                <a:pPr algn="r"/>
+                <a:r>
+                  <a:rPr lang="ko-KR" altLang="en-US" sz="1400" dirty="0"/>
+                  <a:t>팀원</a:t>
+                </a:r>
+              </a:p>
+            </p:txBody>
+          </p:sp>
+          <p:sp>
+            <p:nvSpPr>
+              <p:cNvPr id="3" name="TextBox 2">
+                <a:extLst>
+                  <a:ext uri="{FF2B5EF4-FFF2-40B4-BE49-F238E27FC236}">
+                    <a16:creationId xmlns:a16="http://schemas.microsoft.com/office/drawing/2014/main" id="{6194B463-405F-9D96-3CBA-A811FEA773B0}"/>
+                  </a:ext>
+                </a:extLst>
+              </p:cNvPr>
+              <p:cNvSpPr txBox="1"/>
+              <p:nvPr/>
+            </p:nvSpPr>
+            <p:spPr>
+              <a:xfrm>
+                <a:off x="5112397" y="1458417"/>
+                <a:ext cx="1967206" cy="338554"/>
+              </a:xfrm>
+              <a:prstGeom prst="rect">
+                <a:avLst/>
+              </a:prstGeom>
+              <a:noFill/>
+            </p:spPr>
+            <p:txBody>
+              <a:bodyPr wrap="none" rtlCol="0">
+                <a:spAutoFit/>
+              </a:bodyPr>
+              <a:lstStyle/>
+              <a:p>
+                <a:pPr algn="ctr"/>
+                <a:r>
+                  <a:rPr lang="en-US" altLang="ko-KR" sz="1600" dirty="0"/>
+                  <a:t>00</a:t>
+                </a:r>
+                <a:r>
+                  <a:rPr lang="ko-KR" altLang="en-US" sz="1600" dirty="0"/>
+                  <a:t>초등학교 </a:t>
+                </a:r>
+                <a:r>
+                  <a:rPr lang="en-US" altLang="ko-KR" sz="1600" dirty="0"/>
+                  <a:t>- 16 </a:t>
+                </a:r>
+                <a:r>
+                  <a:rPr lang="ko-KR" altLang="en-US" sz="1600" dirty="0"/>
+                  <a:t>조</a:t>
+                </a:r>
+              </a:p>
+            </p:txBody>
+          </p:sp>
+          <p:sp>
+            <p:nvSpPr>
+              <p:cNvPr id="6" name="TextBox 5">
+                <a:extLst>
+                  <a:ext uri="{FF2B5EF4-FFF2-40B4-BE49-F238E27FC236}">
+                    <a16:creationId xmlns:a16="http://schemas.microsoft.com/office/drawing/2014/main" id="{0DE5B4C8-9364-9EAE-1162-C3A7816D4988}"/>
+                  </a:ext>
+                </a:extLst>
+              </p:cNvPr>
+              <p:cNvSpPr txBox="1"/>
+              <p:nvPr/>
+            </p:nvSpPr>
+            <p:spPr>
+              <a:xfrm>
+                <a:off x="4693911" y="1932937"/>
+                <a:ext cx="3381722" cy="307777"/>
+              </a:xfrm>
+              <a:prstGeom prst="rect">
+                <a:avLst/>
+              </a:prstGeom>
+              <a:noFill/>
+            </p:spPr>
+            <p:txBody>
+              <a:bodyPr wrap="square" rtlCol="0">
+                <a:spAutoFit/>
+              </a:bodyPr>
+              <a:lstStyle/>
+              <a:p>
+                <a:r>
+                  <a:rPr lang="ko-KR" altLang="en-US" sz="1400" dirty="0"/>
+                  <a:t>팀원</a:t>
+                </a:r>
+                <a:r>
+                  <a:rPr lang="en-US" altLang="ko-KR" sz="1400" dirty="0"/>
+                  <a:t>1, </a:t>
+                </a:r>
+                <a:r>
+                  <a:rPr lang="ko-KR" altLang="en-US" sz="1400" dirty="0"/>
+                  <a:t>팀원</a:t>
+                </a:r>
+                <a:r>
+                  <a:rPr lang="en-US" altLang="ko-KR" sz="1400" dirty="0"/>
+                  <a:t>2, </a:t>
+                </a:r>
+                <a:r>
+                  <a:rPr lang="ko-KR" altLang="en-US" sz="1400" dirty="0"/>
+                  <a:t>팀원</a:t>
+                </a:r>
+                <a:r>
+                  <a:rPr lang="en-US" altLang="ko-KR" sz="1400" dirty="0"/>
+                  <a:t>3, …</a:t>
+                </a:r>
+                <a:endParaRPr lang="ko-KR" altLang="en-US" sz="1400" dirty="0"/>
+              </a:p>
+            </p:txBody>
+          </p:sp>
+          <p:sp>
+            <p:nvSpPr>
+              <p:cNvPr id="8" name="사각형: 둥근 모서리 7">
+                <a:extLst>
+                  <a:ext uri="{FF2B5EF4-FFF2-40B4-BE49-F238E27FC236}">
+                    <a16:creationId xmlns:a16="http://schemas.microsoft.com/office/drawing/2014/main" id="{DC8B7B20-800B-16B4-7BB3-D875002B0789}"/>
                   </a:ext>
                 </a:extLst>
               </p:cNvPr>
@@ -11708,8 +12764,8 @@
             </p:nvSpPr>
             <p:spPr>
               <a:xfrm>
-                <a:off x="4178119" y="2375132"/>
-                <a:ext cx="834148" cy="354288"/>
+                <a:off x="4183511" y="1434045"/>
+                <a:ext cx="416777" cy="416095"/>
               </a:xfrm>
               <a:prstGeom prst="roundRect">
                 <a:avLst/>
@@ -11734,24 +12790,55 @@
               <a:lstStyle/>
               <a:p>
                 <a:pPr algn="ctr"/>
-                <a:r>
-                  <a:rPr lang="en-US" altLang="ko-KR" dirty="0"/>
-                  <a:t>1</a:t>
-                </a:r>
-                <a:r>
-                  <a:rPr lang="ko-KR" altLang="en-US" dirty="0"/>
-                  <a:t>번</a:t>
-                </a:r>
-                <a:endParaRPr lang="en-US" altLang="ko-KR" dirty="0"/>
+                <a:endParaRPr lang="ko-KR" altLang="en-US" dirty="0"/>
               </a:p>
             </p:txBody>
           </p:sp>
+          <p:pic>
+            <p:nvPicPr>
+              <p:cNvPr id="11" name="그래픽 10" descr="주택 단색으로 채워진">
+                <a:extLst>
+                  <a:ext uri="{FF2B5EF4-FFF2-40B4-BE49-F238E27FC236}">
+                    <a16:creationId xmlns:a16="http://schemas.microsoft.com/office/drawing/2014/main" id="{C199940B-E852-4CB7-3F2F-D2A61F62FE2C}"/>
+                  </a:ext>
+                </a:extLst>
+              </p:cNvPr>
+              <p:cNvPicPr>
+                <a:picLocks noChangeAspect="1"/>
+              </p:cNvPicPr>
+              <p:nvPr/>
+            </p:nvPicPr>
+            <p:blipFill>
+              <a:blip r:embed="rId2">
+                <a:extLst>
+                  <a:ext uri="{28A0092B-C50C-407E-A947-70E740481C1C}">
+                    <a14:useLocalDpi xmlns:a14="http://schemas.microsoft.com/office/drawing/2010/main" val="0"/>
+                  </a:ext>
+                  <a:ext uri="{96DAC541-7B7A-43D3-8B79-37D633B846F1}">
+                    <asvg:svgBlip xmlns:asvg="http://schemas.microsoft.com/office/drawing/2016/SVG/main" r:embed="rId3"/>
+                  </a:ext>
+                </a:extLst>
+              </a:blip>
+              <a:stretch>
+                <a:fillRect/>
+              </a:stretch>
+            </p:blipFill>
+            <p:spPr>
+              <a:xfrm>
+                <a:off x="4207966" y="1458131"/>
+                <a:ext cx="367865" cy="367865"/>
+              </a:xfrm>
+              <a:prstGeom prst="rect">
+                <a:avLst/>
+              </a:prstGeom>
+            </p:spPr>
+          </p:pic>
           <p:sp>
             <p:nvSpPr>
-              <p:cNvPr id="78" name="사각형: 둥근 모서리 77">
+              <p:cNvPr id="13" name="타원 12">
                 <a:extLst>
                   <a:ext uri="{FF2B5EF4-FFF2-40B4-BE49-F238E27FC236}">
-                    <a16:creationId xmlns:a16="http://schemas.microsoft.com/office/drawing/2014/main" id="{F2EC4649-F023-2D0E-03A1-B3FF7B9A605E}"/>
+                    <a16:creationId xmlns:a16="http://schemas.microsoft.com/office/drawing/2014/main" id="{AF0D58A6-985A-E2EE-97A4-27B2ACDE8C78}"/>
                   </a:ext>
                 </a:extLst>
               </p:cNvPr>
@@ -11760,25 +12847,35 @@
             </p:nvSpPr>
             <p:spPr>
               <a:xfrm>
-                <a:off x="7299469" y="2375132"/>
-                <a:ext cx="834148" cy="354288"/>
+                <a:off x="4845129" y="2488079"/>
+                <a:ext cx="216024" cy="216024"/>
               </a:xfrm>
-              <a:prstGeom prst="roundRect">
+              <a:prstGeom prst="ellipse">
                 <a:avLst/>
               </a:prstGeom>
+              <a:solidFill>
+                <a:srgbClr val="FF0000"/>
+              </a:solidFill>
+              <a:ln>
+                <a:solidFill>
+                  <a:srgbClr val="FF0000"/>
+                </a:solidFill>
+              </a:ln>
             </p:spPr>
             <p:style>
               <a:lnRef idx="2">
-                <a:schemeClr val="dk1"/>
+                <a:schemeClr val="accent1">
+                  <a:shade val="50000"/>
+                </a:schemeClr>
               </a:lnRef>
               <a:fillRef idx="1">
-                <a:schemeClr val="lt1"/>
+                <a:schemeClr val="accent1"/>
               </a:fillRef>
               <a:effectRef idx="0">
-                <a:schemeClr val="dk1"/>
+                <a:schemeClr val="accent1"/>
               </a:effectRef>
               <a:fontRef idx="minor">
-                <a:schemeClr val="dk1"/>
+                <a:schemeClr val="lt1"/>
               </a:fontRef>
             </p:style>
             <p:txBody>
@@ -11787,23 +12884,19 @@
               <a:p>
                 <a:pPr algn="ctr"/>
                 <a:r>
-                  <a:rPr lang="en-US" altLang="ko-KR" dirty="0"/>
-                  <a:t>4</a:t>
+                  <a:rPr lang="en-US" altLang="ko-KR" sz="1400" dirty="0"/>
+                  <a:t>N</a:t>
                 </a:r>
-                <a:r>
-                  <a:rPr lang="ko-KR" altLang="en-US" dirty="0"/>
-                  <a:t>번</a:t>
-                </a:r>
-                <a:endParaRPr lang="en-US" altLang="ko-KR" dirty="0"/>
+                <a:endParaRPr lang="ko-KR" altLang="en-US" sz="1400" dirty="0"/>
               </a:p>
             </p:txBody>
           </p:sp>
           <p:sp>
             <p:nvSpPr>
-              <p:cNvPr id="79" name="사각형: 둥근 모서리 78">
+              <p:cNvPr id="14" name="타원 13">
                 <a:extLst>
                   <a:ext uri="{FF2B5EF4-FFF2-40B4-BE49-F238E27FC236}">
-                    <a16:creationId xmlns:a16="http://schemas.microsoft.com/office/drawing/2014/main" id="{725C82EB-7673-8387-E51C-F5190632C134}"/>
+                    <a16:creationId xmlns:a16="http://schemas.microsoft.com/office/drawing/2014/main" id="{58371233-65B7-15CC-0D84-B2CEB2C08FB9}"/>
                   </a:ext>
                 </a:extLst>
               </p:cNvPr>
@@ -11812,25 +12905,35 @@
             </p:nvSpPr>
             <p:spPr>
               <a:xfrm>
-                <a:off x="6259019" y="2375132"/>
-                <a:ext cx="834148" cy="354288"/>
+                <a:off x="5879975" y="3317608"/>
+                <a:ext cx="216024" cy="216024"/>
               </a:xfrm>
-              <a:prstGeom prst="roundRect">
+              <a:prstGeom prst="ellipse">
                 <a:avLst/>
               </a:prstGeom>
+              <a:solidFill>
+                <a:srgbClr val="FF0000"/>
+              </a:solidFill>
+              <a:ln>
+                <a:solidFill>
+                  <a:srgbClr val="FF0000"/>
+                </a:solidFill>
+              </a:ln>
             </p:spPr>
             <p:style>
               <a:lnRef idx="2">
-                <a:schemeClr val="dk1"/>
+                <a:schemeClr val="accent1">
+                  <a:shade val="50000"/>
+                </a:schemeClr>
               </a:lnRef>
               <a:fillRef idx="1">
-                <a:schemeClr val="lt1"/>
+                <a:schemeClr val="accent1"/>
               </a:fillRef>
               <a:effectRef idx="0">
-                <a:schemeClr val="dk1"/>
+                <a:schemeClr val="accent1"/>
               </a:effectRef>
               <a:fontRef idx="minor">
-                <a:schemeClr val="dk1"/>
+                <a:schemeClr val="lt1"/>
               </a:fontRef>
             </p:style>
             <p:txBody>
@@ -11839,23 +12942,19 @@
               <a:p>
                 <a:pPr algn="ctr"/>
                 <a:r>
-                  <a:rPr lang="en-US" altLang="ko-KR" dirty="0"/>
-                  <a:t>3</a:t>
+                  <a:rPr lang="en-US" altLang="ko-KR" sz="1400" dirty="0"/>
+                  <a:t>N</a:t>
                 </a:r>
-                <a:r>
-                  <a:rPr lang="ko-KR" altLang="en-US" dirty="0"/>
-                  <a:t>번</a:t>
-                </a:r>
-                <a:endParaRPr lang="en-US" altLang="ko-KR" dirty="0"/>
+                <a:endParaRPr lang="ko-KR" altLang="en-US" sz="1400" dirty="0"/>
               </a:p>
             </p:txBody>
           </p:sp>
           <p:sp>
             <p:nvSpPr>
-              <p:cNvPr id="80" name="사각형: 둥근 모서리 79">
+              <p:cNvPr id="15" name="타원 14">
                 <a:extLst>
                   <a:ext uri="{FF2B5EF4-FFF2-40B4-BE49-F238E27FC236}">
-                    <a16:creationId xmlns:a16="http://schemas.microsoft.com/office/drawing/2014/main" id="{ACAABC10-3D3F-28C1-507B-FF9E8D641E9D}"/>
+                    <a16:creationId xmlns:a16="http://schemas.microsoft.com/office/drawing/2014/main" id="{F512E4D5-FA32-166C-9904-95A1E39B1AA0}"/>
                   </a:ext>
                 </a:extLst>
               </p:cNvPr>
@@ -11864,25 +12963,35 @@
             </p:nvSpPr>
             <p:spPr>
               <a:xfrm>
-                <a:off x="5218569" y="2375132"/>
-                <a:ext cx="834148" cy="354288"/>
+                <a:off x="4851740" y="4140018"/>
+                <a:ext cx="216024" cy="216024"/>
               </a:xfrm>
-              <a:prstGeom prst="roundRect">
+              <a:prstGeom prst="ellipse">
                 <a:avLst/>
               </a:prstGeom>
+              <a:solidFill>
+                <a:srgbClr val="FF0000"/>
+              </a:solidFill>
+              <a:ln>
+                <a:solidFill>
+                  <a:srgbClr val="FF0000"/>
+                </a:solidFill>
+              </a:ln>
             </p:spPr>
             <p:style>
               <a:lnRef idx="2">
-                <a:schemeClr val="dk1"/>
+                <a:schemeClr val="accent1">
+                  <a:shade val="50000"/>
+                </a:schemeClr>
               </a:lnRef>
               <a:fillRef idx="1">
-                <a:schemeClr val="lt1"/>
+                <a:schemeClr val="accent1"/>
               </a:fillRef>
               <a:effectRef idx="0">
-                <a:schemeClr val="dk1"/>
+                <a:schemeClr val="accent1"/>
               </a:effectRef>
               <a:fontRef idx="minor">
-                <a:schemeClr val="dk1"/>
+                <a:schemeClr val="lt1"/>
               </a:fontRef>
             </p:style>
             <p:txBody>
@@ -11891,851 +13000,20 @@
               <a:p>
                 <a:pPr algn="ctr"/>
                 <a:r>
-                  <a:rPr lang="en-US" altLang="ko-KR" dirty="0"/>
-                  <a:t>2</a:t>
+                  <a:rPr lang="en-US" altLang="ko-KR" sz="1400" dirty="0"/>
+                  <a:t>N</a:t>
                 </a:r>
-                <a:r>
-                  <a:rPr lang="ko-KR" altLang="en-US" dirty="0"/>
-                  <a:t>번</a:t>
-                </a:r>
-                <a:endParaRPr lang="en-US" altLang="ko-KR" dirty="0"/>
-              </a:p>
-            </p:txBody>
-          </p:sp>
-        </p:grpSp>
-        <p:grpSp>
-          <p:nvGrpSpPr>
-            <p:cNvPr id="94" name="그룹 93">
-              <a:extLst>
-                <a:ext uri="{FF2B5EF4-FFF2-40B4-BE49-F238E27FC236}">
-                  <a16:creationId xmlns:a16="http://schemas.microsoft.com/office/drawing/2014/main" id="{48EC9726-71DE-B702-AC45-848D632EC8BE}"/>
-                </a:ext>
-              </a:extLst>
-            </p:cNvPr>
-            <p:cNvGrpSpPr/>
-            <p:nvPr/>
-          </p:nvGrpSpPr>
-          <p:grpSpPr>
-            <a:xfrm>
-              <a:off x="4179469" y="3386038"/>
-              <a:ext cx="3955498" cy="502990"/>
-              <a:chOff x="4187936" y="3303744"/>
-              <a:chExt cx="3955498" cy="354288"/>
-            </a:xfrm>
-          </p:grpSpPr>
-          <p:sp>
-            <p:nvSpPr>
-              <p:cNvPr id="81" name="사각형: 둥근 모서리 80">
-                <a:extLst>
-                  <a:ext uri="{FF2B5EF4-FFF2-40B4-BE49-F238E27FC236}">
-                    <a16:creationId xmlns:a16="http://schemas.microsoft.com/office/drawing/2014/main" id="{CD9B2740-0438-FEAA-3D65-37C898A77343}"/>
-                  </a:ext>
-                </a:extLst>
-              </p:cNvPr>
-              <p:cNvSpPr/>
-              <p:nvPr/>
-            </p:nvSpPr>
-            <p:spPr>
-              <a:xfrm>
-                <a:off x="4187936" y="3303744"/>
-                <a:ext cx="834148" cy="354288"/>
-              </a:xfrm>
-              <a:prstGeom prst="roundRect">
-                <a:avLst/>
-              </a:prstGeom>
-            </p:spPr>
-            <p:style>
-              <a:lnRef idx="2">
-                <a:schemeClr val="dk1"/>
-              </a:lnRef>
-              <a:fillRef idx="1">
-                <a:schemeClr val="lt1"/>
-              </a:fillRef>
-              <a:effectRef idx="0">
-                <a:schemeClr val="dk1"/>
-              </a:effectRef>
-              <a:fontRef idx="minor">
-                <a:schemeClr val="dk1"/>
-              </a:fontRef>
-            </p:style>
-            <p:txBody>
-              <a:bodyPr rtlCol="0" anchor="ctr"/>
-              <a:lstStyle/>
-              <a:p>
-                <a:pPr algn="ctr"/>
-                <a:r>
-                  <a:rPr lang="en-US" altLang="ko-KR" dirty="0"/>
-                  <a:t>5</a:t>
-                </a:r>
-                <a:r>
-                  <a:rPr lang="ko-KR" altLang="en-US" dirty="0"/>
-                  <a:t>번</a:t>
-                </a:r>
-                <a:endParaRPr lang="en-US" altLang="ko-KR" dirty="0"/>
-              </a:p>
-            </p:txBody>
-          </p:sp>
-          <p:sp>
-            <p:nvSpPr>
-              <p:cNvPr id="82" name="사각형: 둥근 모서리 81">
-                <a:extLst>
-                  <a:ext uri="{FF2B5EF4-FFF2-40B4-BE49-F238E27FC236}">
-                    <a16:creationId xmlns:a16="http://schemas.microsoft.com/office/drawing/2014/main" id="{4ED59FF2-6897-187D-D01A-BC389623490C}"/>
-                  </a:ext>
-                </a:extLst>
-              </p:cNvPr>
-              <p:cNvSpPr/>
-              <p:nvPr/>
-            </p:nvSpPr>
-            <p:spPr>
-              <a:xfrm>
-                <a:off x="7309286" y="3303744"/>
-                <a:ext cx="834148" cy="354288"/>
-              </a:xfrm>
-              <a:prstGeom prst="roundRect">
-                <a:avLst/>
-              </a:prstGeom>
-            </p:spPr>
-            <p:style>
-              <a:lnRef idx="2">
-                <a:schemeClr val="dk1"/>
-              </a:lnRef>
-              <a:fillRef idx="1">
-                <a:schemeClr val="lt1"/>
-              </a:fillRef>
-              <a:effectRef idx="0">
-                <a:schemeClr val="dk1"/>
-              </a:effectRef>
-              <a:fontRef idx="minor">
-                <a:schemeClr val="dk1"/>
-              </a:fontRef>
-            </p:style>
-            <p:txBody>
-              <a:bodyPr rtlCol="0" anchor="ctr"/>
-              <a:lstStyle/>
-              <a:p>
-                <a:pPr algn="ctr"/>
-                <a:r>
-                  <a:rPr lang="en-US" altLang="ko-KR" dirty="0"/>
-                  <a:t>8</a:t>
-                </a:r>
-                <a:r>
-                  <a:rPr lang="ko-KR" altLang="en-US" dirty="0"/>
-                  <a:t>번</a:t>
-                </a:r>
-                <a:endParaRPr lang="en-US" altLang="ko-KR" dirty="0"/>
-              </a:p>
-            </p:txBody>
-          </p:sp>
-          <p:sp>
-            <p:nvSpPr>
-              <p:cNvPr id="83" name="사각형: 둥근 모서리 82">
-                <a:extLst>
-                  <a:ext uri="{FF2B5EF4-FFF2-40B4-BE49-F238E27FC236}">
-                    <a16:creationId xmlns:a16="http://schemas.microsoft.com/office/drawing/2014/main" id="{20EEC34B-0578-8756-B788-54A675A80B4D}"/>
-                  </a:ext>
-                </a:extLst>
-              </p:cNvPr>
-              <p:cNvSpPr/>
-              <p:nvPr/>
-            </p:nvSpPr>
-            <p:spPr>
-              <a:xfrm>
-                <a:off x="6268836" y="3303744"/>
-                <a:ext cx="834148" cy="354288"/>
-              </a:xfrm>
-              <a:prstGeom prst="roundRect">
-                <a:avLst/>
-              </a:prstGeom>
-            </p:spPr>
-            <p:style>
-              <a:lnRef idx="2">
-                <a:schemeClr val="dk1"/>
-              </a:lnRef>
-              <a:fillRef idx="1">
-                <a:schemeClr val="lt1"/>
-              </a:fillRef>
-              <a:effectRef idx="0">
-                <a:schemeClr val="dk1"/>
-              </a:effectRef>
-              <a:fontRef idx="minor">
-                <a:schemeClr val="dk1"/>
-              </a:fontRef>
-            </p:style>
-            <p:txBody>
-              <a:bodyPr rtlCol="0" anchor="ctr"/>
-              <a:lstStyle/>
-              <a:p>
-                <a:pPr algn="ctr"/>
-                <a:r>
-                  <a:rPr lang="en-US" altLang="ko-KR" dirty="0"/>
-                  <a:t>7</a:t>
-                </a:r>
-                <a:r>
-                  <a:rPr lang="ko-KR" altLang="en-US" dirty="0"/>
-                  <a:t>번</a:t>
-                </a:r>
-                <a:endParaRPr lang="en-US" altLang="ko-KR" dirty="0"/>
-              </a:p>
-            </p:txBody>
-          </p:sp>
-          <p:sp>
-            <p:nvSpPr>
-              <p:cNvPr id="84" name="사각형: 둥근 모서리 83">
-                <a:extLst>
-                  <a:ext uri="{FF2B5EF4-FFF2-40B4-BE49-F238E27FC236}">
-                    <a16:creationId xmlns:a16="http://schemas.microsoft.com/office/drawing/2014/main" id="{BDE5516E-04E0-4AA6-EEB6-4419694004B2}"/>
-                  </a:ext>
-                </a:extLst>
-              </p:cNvPr>
-              <p:cNvSpPr/>
-              <p:nvPr/>
-            </p:nvSpPr>
-            <p:spPr>
-              <a:xfrm>
-                <a:off x="5228386" y="3303744"/>
-                <a:ext cx="834148" cy="354288"/>
-              </a:xfrm>
-              <a:prstGeom prst="roundRect">
-                <a:avLst/>
-              </a:prstGeom>
-            </p:spPr>
-            <p:style>
-              <a:lnRef idx="2">
-                <a:schemeClr val="dk1"/>
-              </a:lnRef>
-              <a:fillRef idx="1">
-                <a:schemeClr val="lt1"/>
-              </a:fillRef>
-              <a:effectRef idx="0">
-                <a:schemeClr val="dk1"/>
-              </a:effectRef>
-              <a:fontRef idx="minor">
-                <a:schemeClr val="dk1"/>
-              </a:fontRef>
-            </p:style>
-            <p:txBody>
-              <a:bodyPr rtlCol="0" anchor="ctr"/>
-              <a:lstStyle/>
-              <a:p>
-                <a:pPr algn="ctr"/>
-                <a:r>
-                  <a:rPr lang="en-US" altLang="ko-KR" dirty="0"/>
-                  <a:t>6</a:t>
-                </a:r>
-                <a:r>
-                  <a:rPr lang="ko-KR" altLang="en-US" dirty="0"/>
-                  <a:t>번</a:t>
-                </a:r>
-                <a:endParaRPr lang="en-US" altLang="ko-KR" dirty="0"/>
-              </a:p>
-            </p:txBody>
-          </p:sp>
-        </p:grpSp>
-        <p:grpSp>
-          <p:nvGrpSpPr>
-            <p:cNvPr id="95" name="그룹 94">
-              <a:extLst>
-                <a:ext uri="{FF2B5EF4-FFF2-40B4-BE49-F238E27FC236}">
-                  <a16:creationId xmlns:a16="http://schemas.microsoft.com/office/drawing/2014/main" id="{8734F366-D89C-2766-25CD-0F9858DFC880}"/>
-                </a:ext>
-              </a:extLst>
-            </p:cNvPr>
-            <p:cNvGrpSpPr/>
-            <p:nvPr/>
-          </p:nvGrpSpPr>
-          <p:grpSpPr>
-            <a:xfrm>
-              <a:off x="4179469" y="4199153"/>
-              <a:ext cx="3955498" cy="502990"/>
-              <a:chOff x="4187936" y="4232356"/>
-              <a:chExt cx="3955498" cy="354288"/>
-            </a:xfrm>
-          </p:grpSpPr>
-          <p:sp>
-            <p:nvSpPr>
-              <p:cNvPr id="85" name="사각형: 둥근 모서리 84">
-                <a:extLst>
-                  <a:ext uri="{FF2B5EF4-FFF2-40B4-BE49-F238E27FC236}">
-                    <a16:creationId xmlns:a16="http://schemas.microsoft.com/office/drawing/2014/main" id="{44984927-2F20-5D5E-C335-B92AEADA5BC3}"/>
-                  </a:ext>
-                </a:extLst>
-              </p:cNvPr>
-              <p:cNvSpPr/>
-              <p:nvPr/>
-            </p:nvSpPr>
-            <p:spPr>
-              <a:xfrm>
-                <a:off x="4187936" y="4232356"/>
-                <a:ext cx="834148" cy="354288"/>
-              </a:xfrm>
-              <a:prstGeom prst="roundRect">
-                <a:avLst/>
-              </a:prstGeom>
-            </p:spPr>
-            <p:style>
-              <a:lnRef idx="2">
-                <a:schemeClr val="dk1"/>
-              </a:lnRef>
-              <a:fillRef idx="1">
-                <a:schemeClr val="lt1"/>
-              </a:fillRef>
-              <a:effectRef idx="0">
-                <a:schemeClr val="dk1"/>
-              </a:effectRef>
-              <a:fontRef idx="minor">
-                <a:schemeClr val="dk1"/>
-              </a:fontRef>
-            </p:style>
-            <p:txBody>
-              <a:bodyPr rtlCol="0" anchor="ctr"/>
-              <a:lstStyle/>
-              <a:p>
-                <a:pPr algn="ctr"/>
-                <a:r>
-                  <a:rPr lang="en-US" altLang="ko-KR" dirty="0"/>
-                  <a:t>9</a:t>
-                </a:r>
-                <a:r>
-                  <a:rPr lang="ko-KR" altLang="en-US" dirty="0"/>
-                  <a:t>번</a:t>
-                </a:r>
-                <a:endParaRPr lang="en-US" altLang="ko-KR" dirty="0"/>
-              </a:p>
-            </p:txBody>
-          </p:sp>
-          <p:sp>
-            <p:nvSpPr>
-              <p:cNvPr id="86" name="사각형: 둥근 모서리 85">
-                <a:extLst>
-                  <a:ext uri="{FF2B5EF4-FFF2-40B4-BE49-F238E27FC236}">
-                    <a16:creationId xmlns:a16="http://schemas.microsoft.com/office/drawing/2014/main" id="{5FA62FEA-B0EC-07D3-B699-8CA42722E16E}"/>
-                  </a:ext>
-                </a:extLst>
-              </p:cNvPr>
-              <p:cNvSpPr/>
-              <p:nvPr/>
-            </p:nvSpPr>
-            <p:spPr>
-              <a:xfrm>
-                <a:off x="7309286" y="4232356"/>
-                <a:ext cx="834148" cy="354288"/>
-              </a:xfrm>
-              <a:prstGeom prst="roundRect">
-                <a:avLst/>
-              </a:prstGeom>
-            </p:spPr>
-            <p:style>
-              <a:lnRef idx="2">
-                <a:schemeClr val="dk1"/>
-              </a:lnRef>
-              <a:fillRef idx="1">
-                <a:schemeClr val="lt1"/>
-              </a:fillRef>
-              <a:effectRef idx="0">
-                <a:schemeClr val="dk1"/>
-              </a:effectRef>
-              <a:fontRef idx="minor">
-                <a:schemeClr val="dk1"/>
-              </a:fontRef>
-            </p:style>
-            <p:txBody>
-              <a:bodyPr rtlCol="0" anchor="ctr"/>
-              <a:lstStyle/>
-              <a:p>
-                <a:pPr algn="ctr"/>
-                <a:r>
-                  <a:rPr lang="en-US" altLang="ko-KR" dirty="0"/>
-                  <a:t>12</a:t>
-                </a:r>
-                <a:r>
-                  <a:rPr lang="ko-KR" altLang="en-US" dirty="0"/>
-                  <a:t>번</a:t>
-                </a:r>
-                <a:endParaRPr lang="en-US" altLang="ko-KR" dirty="0"/>
-              </a:p>
-            </p:txBody>
-          </p:sp>
-          <p:sp>
-            <p:nvSpPr>
-              <p:cNvPr id="87" name="사각형: 둥근 모서리 86">
-                <a:extLst>
-                  <a:ext uri="{FF2B5EF4-FFF2-40B4-BE49-F238E27FC236}">
-                    <a16:creationId xmlns:a16="http://schemas.microsoft.com/office/drawing/2014/main" id="{F11E9318-4A61-29AD-CBEC-85219604A97A}"/>
-                  </a:ext>
-                </a:extLst>
-              </p:cNvPr>
-              <p:cNvSpPr/>
-              <p:nvPr/>
-            </p:nvSpPr>
-            <p:spPr>
-              <a:xfrm>
-                <a:off x="6268836" y="4232356"/>
-                <a:ext cx="834148" cy="354288"/>
-              </a:xfrm>
-              <a:prstGeom prst="roundRect">
-                <a:avLst/>
-              </a:prstGeom>
-            </p:spPr>
-            <p:style>
-              <a:lnRef idx="2">
-                <a:schemeClr val="dk1"/>
-              </a:lnRef>
-              <a:fillRef idx="1">
-                <a:schemeClr val="lt1"/>
-              </a:fillRef>
-              <a:effectRef idx="0">
-                <a:schemeClr val="dk1"/>
-              </a:effectRef>
-              <a:fontRef idx="minor">
-                <a:schemeClr val="dk1"/>
-              </a:fontRef>
-            </p:style>
-            <p:txBody>
-              <a:bodyPr rtlCol="0" anchor="ctr"/>
-              <a:lstStyle/>
-              <a:p>
-                <a:pPr algn="ctr"/>
-                <a:r>
-                  <a:rPr lang="en-US" altLang="ko-KR" dirty="0"/>
-                  <a:t>11</a:t>
-                </a:r>
-                <a:r>
-                  <a:rPr lang="ko-KR" altLang="en-US" dirty="0"/>
-                  <a:t>번</a:t>
-                </a:r>
-                <a:endParaRPr lang="en-US" altLang="ko-KR" dirty="0"/>
-              </a:p>
-            </p:txBody>
-          </p:sp>
-          <p:sp>
-            <p:nvSpPr>
-              <p:cNvPr id="88" name="사각형: 둥근 모서리 87">
-                <a:extLst>
-                  <a:ext uri="{FF2B5EF4-FFF2-40B4-BE49-F238E27FC236}">
-                    <a16:creationId xmlns:a16="http://schemas.microsoft.com/office/drawing/2014/main" id="{BA76A738-2B95-DEB7-841C-B95673F0FE04}"/>
-                  </a:ext>
-                </a:extLst>
-              </p:cNvPr>
-              <p:cNvSpPr/>
-              <p:nvPr/>
-            </p:nvSpPr>
-            <p:spPr>
-              <a:xfrm>
-                <a:off x="5228386" y="4232356"/>
-                <a:ext cx="834148" cy="354288"/>
-              </a:xfrm>
-              <a:prstGeom prst="roundRect">
-                <a:avLst/>
-              </a:prstGeom>
-            </p:spPr>
-            <p:style>
-              <a:lnRef idx="2">
-                <a:schemeClr val="dk1"/>
-              </a:lnRef>
-              <a:fillRef idx="1">
-                <a:schemeClr val="lt1"/>
-              </a:fillRef>
-              <a:effectRef idx="0">
-                <a:schemeClr val="dk1"/>
-              </a:effectRef>
-              <a:fontRef idx="minor">
-                <a:schemeClr val="dk1"/>
-              </a:fontRef>
-            </p:style>
-            <p:txBody>
-              <a:bodyPr rtlCol="0" anchor="ctr"/>
-              <a:lstStyle/>
-              <a:p>
-                <a:pPr algn="ctr"/>
-                <a:r>
-                  <a:rPr lang="en-US" altLang="ko-KR" dirty="0"/>
-                  <a:t>10</a:t>
-                </a:r>
-                <a:r>
-                  <a:rPr lang="ko-KR" altLang="en-US" dirty="0"/>
-                  <a:t>번</a:t>
-                </a:r>
-                <a:endParaRPr lang="en-US" altLang="ko-KR" dirty="0"/>
-              </a:p>
-            </p:txBody>
-          </p:sp>
-        </p:grpSp>
-        <p:grpSp>
-          <p:nvGrpSpPr>
-            <p:cNvPr id="96" name="그룹 95">
-              <a:extLst>
-                <a:ext uri="{FF2B5EF4-FFF2-40B4-BE49-F238E27FC236}">
-                  <a16:creationId xmlns:a16="http://schemas.microsoft.com/office/drawing/2014/main" id="{94F88C1A-6C7F-2530-9317-CE963ED24DDA}"/>
-                </a:ext>
-              </a:extLst>
-            </p:cNvPr>
-            <p:cNvGrpSpPr/>
-            <p:nvPr/>
-          </p:nvGrpSpPr>
-          <p:grpSpPr>
-            <a:xfrm>
-              <a:off x="4179469" y="5012267"/>
-              <a:ext cx="3955498" cy="502990"/>
-              <a:chOff x="4187936" y="5160969"/>
-              <a:chExt cx="3955498" cy="354288"/>
-            </a:xfrm>
-          </p:grpSpPr>
-          <p:sp>
-            <p:nvSpPr>
-              <p:cNvPr id="89" name="사각형: 둥근 모서리 88">
-                <a:extLst>
-                  <a:ext uri="{FF2B5EF4-FFF2-40B4-BE49-F238E27FC236}">
-                    <a16:creationId xmlns:a16="http://schemas.microsoft.com/office/drawing/2014/main" id="{AE46EB30-C58F-6D16-049F-C00789C99B57}"/>
-                  </a:ext>
-                </a:extLst>
-              </p:cNvPr>
-              <p:cNvSpPr/>
-              <p:nvPr/>
-            </p:nvSpPr>
-            <p:spPr>
-              <a:xfrm>
-                <a:off x="4187936" y="5160969"/>
-                <a:ext cx="834148" cy="354288"/>
-              </a:xfrm>
-              <a:prstGeom prst="roundRect">
-                <a:avLst/>
-              </a:prstGeom>
-            </p:spPr>
-            <p:style>
-              <a:lnRef idx="2">
-                <a:schemeClr val="dk1"/>
-              </a:lnRef>
-              <a:fillRef idx="1">
-                <a:schemeClr val="lt1"/>
-              </a:fillRef>
-              <a:effectRef idx="0">
-                <a:schemeClr val="dk1"/>
-              </a:effectRef>
-              <a:fontRef idx="minor">
-                <a:schemeClr val="dk1"/>
-              </a:fontRef>
-            </p:style>
-            <p:txBody>
-              <a:bodyPr rtlCol="0" anchor="ctr"/>
-              <a:lstStyle/>
-              <a:p>
-                <a:pPr algn="ctr"/>
-                <a:r>
-                  <a:rPr lang="en-US" altLang="ko-KR" dirty="0"/>
-                  <a:t>13</a:t>
-                </a:r>
-                <a:r>
-                  <a:rPr lang="ko-KR" altLang="en-US" dirty="0"/>
-                  <a:t>번</a:t>
-                </a:r>
-                <a:endParaRPr lang="en-US" altLang="ko-KR" dirty="0"/>
-              </a:p>
-            </p:txBody>
-          </p:sp>
-          <p:sp>
-            <p:nvSpPr>
-              <p:cNvPr id="90" name="사각형: 둥근 모서리 89">
-                <a:extLst>
-                  <a:ext uri="{FF2B5EF4-FFF2-40B4-BE49-F238E27FC236}">
-                    <a16:creationId xmlns:a16="http://schemas.microsoft.com/office/drawing/2014/main" id="{F6A98318-20E9-9E0B-1969-9736C67B9971}"/>
-                  </a:ext>
-                </a:extLst>
-              </p:cNvPr>
-              <p:cNvSpPr/>
-              <p:nvPr/>
-            </p:nvSpPr>
-            <p:spPr>
-              <a:xfrm>
-                <a:off x="7309286" y="5160969"/>
-                <a:ext cx="834148" cy="354288"/>
-              </a:xfrm>
-              <a:prstGeom prst="roundRect">
-                <a:avLst/>
-              </a:prstGeom>
-            </p:spPr>
-            <p:style>
-              <a:lnRef idx="2">
-                <a:schemeClr val="dk1"/>
-              </a:lnRef>
-              <a:fillRef idx="1">
-                <a:schemeClr val="lt1"/>
-              </a:fillRef>
-              <a:effectRef idx="0">
-                <a:schemeClr val="dk1"/>
-              </a:effectRef>
-              <a:fontRef idx="minor">
-                <a:schemeClr val="dk1"/>
-              </a:fontRef>
-            </p:style>
-            <p:txBody>
-              <a:bodyPr rtlCol="0" anchor="ctr"/>
-              <a:lstStyle/>
-              <a:p>
-                <a:pPr algn="ctr"/>
-                <a:r>
-                  <a:rPr lang="en-US" altLang="ko-KR" dirty="0"/>
-                  <a:t>16</a:t>
-                </a:r>
-                <a:r>
-                  <a:rPr lang="ko-KR" altLang="en-US" dirty="0"/>
-                  <a:t>번</a:t>
-                </a:r>
-                <a:endParaRPr lang="en-US" altLang="ko-KR" dirty="0"/>
-              </a:p>
-            </p:txBody>
-          </p:sp>
-          <p:sp>
-            <p:nvSpPr>
-              <p:cNvPr id="91" name="사각형: 둥근 모서리 90">
-                <a:extLst>
-                  <a:ext uri="{FF2B5EF4-FFF2-40B4-BE49-F238E27FC236}">
-                    <a16:creationId xmlns:a16="http://schemas.microsoft.com/office/drawing/2014/main" id="{A1698C3C-8796-6B0A-9D45-24EFC7047BA8}"/>
-                  </a:ext>
-                </a:extLst>
-              </p:cNvPr>
-              <p:cNvSpPr/>
-              <p:nvPr/>
-            </p:nvSpPr>
-            <p:spPr>
-              <a:xfrm>
-                <a:off x="6268836" y="5160969"/>
-                <a:ext cx="834148" cy="354288"/>
-              </a:xfrm>
-              <a:prstGeom prst="roundRect">
-                <a:avLst/>
-              </a:prstGeom>
-            </p:spPr>
-            <p:style>
-              <a:lnRef idx="2">
-                <a:schemeClr val="dk1"/>
-              </a:lnRef>
-              <a:fillRef idx="1">
-                <a:schemeClr val="lt1"/>
-              </a:fillRef>
-              <a:effectRef idx="0">
-                <a:schemeClr val="dk1"/>
-              </a:effectRef>
-              <a:fontRef idx="minor">
-                <a:schemeClr val="dk1"/>
-              </a:fontRef>
-            </p:style>
-            <p:txBody>
-              <a:bodyPr rtlCol="0" anchor="ctr"/>
-              <a:lstStyle/>
-              <a:p>
-                <a:pPr algn="ctr"/>
-                <a:r>
-                  <a:rPr lang="en-US" altLang="ko-KR" dirty="0"/>
-                  <a:t>15</a:t>
-                </a:r>
-                <a:r>
-                  <a:rPr lang="ko-KR" altLang="en-US" dirty="0"/>
-                  <a:t>번</a:t>
-                </a:r>
-                <a:endParaRPr lang="en-US" altLang="ko-KR" dirty="0"/>
-              </a:p>
-            </p:txBody>
-          </p:sp>
-          <p:sp>
-            <p:nvSpPr>
-              <p:cNvPr id="92" name="사각형: 둥근 모서리 91">
-                <a:extLst>
-                  <a:ext uri="{FF2B5EF4-FFF2-40B4-BE49-F238E27FC236}">
-                    <a16:creationId xmlns:a16="http://schemas.microsoft.com/office/drawing/2014/main" id="{2A25A215-3A15-3C8E-FC38-16E4B683FA2A}"/>
-                  </a:ext>
-                </a:extLst>
-              </p:cNvPr>
-              <p:cNvSpPr/>
-              <p:nvPr/>
-            </p:nvSpPr>
-            <p:spPr>
-              <a:xfrm>
-                <a:off x="5228386" y="5160969"/>
-                <a:ext cx="834148" cy="354288"/>
-              </a:xfrm>
-              <a:prstGeom prst="roundRect">
-                <a:avLst/>
-              </a:prstGeom>
-            </p:spPr>
-            <p:style>
-              <a:lnRef idx="2">
-                <a:schemeClr val="dk1"/>
-              </a:lnRef>
-              <a:fillRef idx="1">
-                <a:schemeClr val="lt1"/>
-              </a:fillRef>
-              <a:effectRef idx="0">
-                <a:schemeClr val="dk1"/>
-              </a:effectRef>
-              <a:fontRef idx="minor">
-                <a:schemeClr val="dk1"/>
-              </a:fontRef>
-            </p:style>
-            <p:txBody>
-              <a:bodyPr rtlCol="0" anchor="ctr"/>
-              <a:lstStyle/>
-              <a:p>
-                <a:pPr algn="ctr"/>
-                <a:r>
-                  <a:rPr lang="en-US" altLang="ko-KR" dirty="0"/>
-                  <a:t>14</a:t>
-                </a:r>
-                <a:r>
-                  <a:rPr lang="ko-KR" altLang="en-US" dirty="0"/>
-                  <a:t>번</a:t>
-                </a:r>
-                <a:endParaRPr lang="en-US" altLang="ko-KR" dirty="0"/>
+                <a:endParaRPr lang="ko-KR" altLang="en-US" sz="1400" dirty="0"/>
               </a:p>
             </p:txBody>
           </p:sp>
         </p:grpSp>
         <p:sp>
           <p:nvSpPr>
-            <p:cNvPr id="2" name="TextBox 1">
+            <p:cNvPr id="7" name="사각형: 둥근 모서리 6">
               <a:extLst>
                 <a:ext uri="{FF2B5EF4-FFF2-40B4-BE49-F238E27FC236}">
-                  <a16:creationId xmlns:a16="http://schemas.microsoft.com/office/drawing/2014/main" id="{F7758ADA-86AC-E68D-7429-3760AF525E50}"/>
-                </a:ext>
-              </a:extLst>
-            </p:cNvPr>
-            <p:cNvSpPr txBox="1"/>
-            <p:nvPr/>
-          </p:nvSpPr>
-          <p:spPr>
-            <a:xfrm>
-              <a:off x="4111135" y="1932937"/>
-              <a:ext cx="560654" cy="307777"/>
-            </a:xfrm>
-            <a:prstGeom prst="rect">
-              <a:avLst/>
-            </a:prstGeom>
-            <a:noFill/>
-          </p:spPr>
-          <p:txBody>
-            <a:bodyPr wrap="square" rtlCol="0">
-              <a:spAutoFit/>
-            </a:bodyPr>
-            <a:lstStyle/>
-            <a:p>
-              <a:pPr algn="r"/>
-              <a:r>
-                <a:rPr lang="ko-KR" altLang="en-US" sz="1400" dirty="0"/>
-                <a:t>팀원</a:t>
-              </a:r>
-            </a:p>
-          </p:txBody>
-        </p:sp>
-        <p:sp>
-          <p:nvSpPr>
-            <p:cNvPr id="3" name="TextBox 2">
-              <a:extLst>
-                <a:ext uri="{FF2B5EF4-FFF2-40B4-BE49-F238E27FC236}">
-                  <a16:creationId xmlns:a16="http://schemas.microsoft.com/office/drawing/2014/main" id="{6194B463-405F-9D96-3CBA-A811FEA773B0}"/>
-                </a:ext>
-              </a:extLst>
-            </p:cNvPr>
-            <p:cNvSpPr txBox="1"/>
-            <p:nvPr/>
-          </p:nvSpPr>
-          <p:spPr>
-            <a:xfrm>
-              <a:off x="5112397" y="1458417"/>
-              <a:ext cx="1967206" cy="338554"/>
-            </a:xfrm>
-            <a:prstGeom prst="rect">
-              <a:avLst/>
-            </a:prstGeom>
-            <a:noFill/>
-          </p:spPr>
-          <p:txBody>
-            <a:bodyPr wrap="none" rtlCol="0">
-              <a:spAutoFit/>
-            </a:bodyPr>
-            <a:lstStyle/>
-            <a:p>
-              <a:pPr algn="ctr"/>
-              <a:r>
-                <a:rPr lang="en-US" altLang="ko-KR" sz="1600" dirty="0"/>
-                <a:t>00</a:t>
-              </a:r>
-              <a:r>
-                <a:rPr lang="ko-KR" altLang="en-US" sz="1600" dirty="0"/>
-                <a:t>초등학교 </a:t>
-              </a:r>
-              <a:r>
-                <a:rPr lang="en-US" altLang="ko-KR" sz="1600" dirty="0"/>
-                <a:t>- 16 </a:t>
-              </a:r>
-              <a:r>
-                <a:rPr lang="ko-KR" altLang="en-US" sz="1600" dirty="0"/>
-                <a:t>조</a:t>
-              </a:r>
-            </a:p>
-          </p:txBody>
-        </p:sp>
-        <p:sp>
-          <p:nvSpPr>
-            <p:cNvPr id="6" name="TextBox 5">
-              <a:extLst>
-                <a:ext uri="{FF2B5EF4-FFF2-40B4-BE49-F238E27FC236}">
-                  <a16:creationId xmlns:a16="http://schemas.microsoft.com/office/drawing/2014/main" id="{0DE5B4C8-9364-9EAE-1162-C3A7816D4988}"/>
-                </a:ext>
-              </a:extLst>
-            </p:cNvPr>
-            <p:cNvSpPr txBox="1"/>
-            <p:nvPr/>
-          </p:nvSpPr>
-          <p:spPr>
-            <a:xfrm>
-              <a:off x="4693911" y="1932937"/>
-              <a:ext cx="3381722" cy="307777"/>
-            </a:xfrm>
-            <a:prstGeom prst="rect">
-              <a:avLst/>
-            </a:prstGeom>
-            <a:noFill/>
-          </p:spPr>
-          <p:txBody>
-            <a:bodyPr wrap="square" rtlCol="0">
-              <a:spAutoFit/>
-            </a:bodyPr>
-            <a:lstStyle/>
-            <a:p>
-              <a:r>
-                <a:rPr lang="ko-KR" altLang="en-US" sz="1400" dirty="0"/>
-                <a:t>팀원</a:t>
-              </a:r>
-              <a:r>
-                <a:rPr lang="en-US" altLang="ko-KR" sz="1400" dirty="0"/>
-                <a:t>1, </a:t>
-              </a:r>
-              <a:r>
-                <a:rPr lang="ko-KR" altLang="en-US" sz="1400" dirty="0"/>
-                <a:t>팀원</a:t>
-              </a:r>
-              <a:r>
-                <a:rPr lang="en-US" altLang="ko-KR" sz="1400" dirty="0"/>
-                <a:t>2, </a:t>
-              </a:r>
-              <a:r>
-                <a:rPr lang="ko-KR" altLang="en-US" sz="1400" dirty="0"/>
-                <a:t>팀원</a:t>
-              </a:r>
-              <a:r>
-                <a:rPr lang="en-US" altLang="ko-KR" sz="1400" dirty="0"/>
-                <a:t>3, …</a:t>
-              </a:r>
-              <a:endParaRPr lang="ko-KR" altLang="en-US" sz="1400" dirty="0"/>
-            </a:p>
-          </p:txBody>
-        </p:sp>
-        <p:sp>
-          <p:nvSpPr>
-            <p:cNvPr id="8" name="사각형: 둥근 모서리 7">
-              <a:extLst>
-                <a:ext uri="{FF2B5EF4-FFF2-40B4-BE49-F238E27FC236}">
-                  <a16:creationId xmlns:a16="http://schemas.microsoft.com/office/drawing/2014/main" id="{DC8B7B20-800B-16B4-7BB3-D875002B0789}"/>
+                  <a16:creationId xmlns:a16="http://schemas.microsoft.com/office/drawing/2014/main" id="{507B80F0-A34A-11CB-DB52-FF22540A6A20}"/>
                 </a:ext>
               </a:extLst>
             </p:cNvPr>
@@ -12744,8 +13022,8 @@
           </p:nvSpPr>
           <p:spPr>
             <a:xfrm>
-              <a:off x="4183511" y="1434045"/>
-              <a:ext cx="416777" cy="416095"/>
+              <a:off x="7699133" y="1508213"/>
+              <a:ext cx="368033" cy="790538"/>
             </a:xfrm>
             <a:prstGeom prst="roundRect">
               <a:avLst/>
@@ -12770,220 +13048,10 @@
             <a:lstStyle/>
             <a:p>
               <a:pPr algn="ctr"/>
-              <a:endParaRPr lang="ko-KR" altLang="en-US" dirty="0"/>
-            </a:p>
-          </p:txBody>
-        </p:sp>
-        <p:pic>
-          <p:nvPicPr>
-            <p:cNvPr id="11" name="그래픽 10" descr="주택 단색으로 채워진">
-              <a:extLst>
-                <a:ext uri="{FF2B5EF4-FFF2-40B4-BE49-F238E27FC236}">
-                  <a16:creationId xmlns:a16="http://schemas.microsoft.com/office/drawing/2014/main" id="{C199940B-E852-4CB7-3F2F-D2A61F62FE2C}"/>
-                </a:ext>
-              </a:extLst>
-            </p:cNvPr>
-            <p:cNvPicPr>
-              <a:picLocks noChangeAspect="1"/>
-            </p:cNvPicPr>
-            <p:nvPr/>
-          </p:nvPicPr>
-          <p:blipFill>
-            <a:blip r:embed="rId2">
-              <a:extLst>
-                <a:ext uri="{28A0092B-C50C-407E-A947-70E740481C1C}">
-                  <a14:useLocalDpi xmlns:a14="http://schemas.microsoft.com/office/drawing/2010/main" val="0"/>
-                </a:ext>
-                <a:ext uri="{96DAC541-7B7A-43D3-8B79-37D633B846F1}">
-                  <asvg:svgBlip xmlns:asvg="http://schemas.microsoft.com/office/drawing/2016/SVG/main" r:embed="rId3"/>
-                </a:ext>
-              </a:extLst>
-            </a:blip>
-            <a:stretch>
-              <a:fillRect/>
-            </a:stretch>
-          </p:blipFill>
-          <p:spPr>
-            <a:xfrm>
-              <a:off x="4207966" y="1458131"/>
-              <a:ext cx="367865" cy="367865"/>
-            </a:xfrm>
-            <a:prstGeom prst="rect">
-              <a:avLst/>
-            </a:prstGeom>
-          </p:spPr>
-        </p:pic>
-        <p:sp>
-          <p:nvSpPr>
-            <p:cNvPr id="13" name="타원 12">
-              <a:extLst>
-                <a:ext uri="{FF2B5EF4-FFF2-40B4-BE49-F238E27FC236}">
-                  <a16:creationId xmlns:a16="http://schemas.microsoft.com/office/drawing/2014/main" id="{AF0D58A6-985A-E2EE-97A4-27B2ACDE8C78}"/>
-                </a:ext>
-              </a:extLst>
-            </p:cNvPr>
-            <p:cNvSpPr/>
-            <p:nvPr/>
-          </p:nvSpPr>
-          <p:spPr>
-            <a:xfrm>
-              <a:off x="4845129" y="2488079"/>
-              <a:ext cx="216024" cy="216024"/>
-            </a:xfrm>
-            <a:prstGeom prst="ellipse">
-              <a:avLst/>
-            </a:prstGeom>
-            <a:solidFill>
-              <a:srgbClr val="FF0000"/>
-            </a:solidFill>
-            <a:ln>
-              <a:solidFill>
-                <a:srgbClr val="FF0000"/>
-              </a:solidFill>
-            </a:ln>
-          </p:spPr>
-          <p:style>
-            <a:lnRef idx="2">
-              <a:schemeClr val="accent1">
-                <a:shade val="50000"/>
-              </a:schemeClr>
-            </a:lnRef>
-            <a:fillRef idx="1">
-              <a:schemeClr val="accent1"/>
-            </a:fillRef>
-            <a:effectRef idx="0">
-              <a:schemeClr val="accent1"/>
-            </a:effectRef>
-            <a:fontRef idx="minor">
-              <a:schemeClr val="lt1"/>
-            </a:fontRef>
-          </p:style>
-          <p:txBody>
-            <a:bodyPr rtlCol="0" anchor="ctr"/>
-            <a:lstStyle/>
-            <a:p>
-              <a:pPr algn="ctr"/>
               <a:r>
-                <a:rPr lang="en-US" altLang="ko-KR" sz="1400" dirty="0"/>
-                <a:t>N</a:t>
+                <a:rPr lang="ko-KR" altLang="en-US" dirty="0"/>
+                <a:t>삭제</a:t>
               </a:r>
-              <a:endParaRPr lang="ko-KR" altLang="en-US" sz="1400" dirty="0"/>
-            </a:p>
-          </p:txBody>
-        </p:sp>
-        <p:sp>
-          <p:nvSpPr>
-            <p:cNvPr id="14" name="타원 13">
-              <a:extLst>
-                <a:ext uri="{FF2B5EF4-FFF2-40B4-BE49-F238E27FC236}">
-                  <a16:creationId xmlns:a16="http://schemas.microsoft.com/office/drawing/2014/main" id="{58371233-65B7-15CC-0D84-B2CEB2C08FB9}"/>
-                </a:ext>
-              </a:extLst>
-            </p:cNvPr>
-            <p:cNvSpPr/>
-            <p:nvPr/>
-          </p:nvSpPr>
-          <p:spPr>
-            <a:xfrm>
-              <a:off x="5879975" y="3317608"/>
-              <a:ext cx="216024" cy="216024"/>
-            </a:xfrm>
-            <a:prstGeom prst="ellipse">
-              <a:avLst/>
-            </a:prstGeom>
-            <a:solidFill>
-              <a:srgbClr val="FF0000"/>
-            </a:solidFill>
-            <a:ln>
-              <a:solidFill>
-                <a:srgbClr val="FF0000"/>
-              </a:solidFill>
-            </a:ln>
-          </p:spPr>
-          <p:style>
-            <a:lnRef idx="2">
-              <a:schemeClr val="accent1">
-                <a:shade val="50000"/>
-              </a:schemeClr>
-            </a:lnRef>
-            <a:fillRef idx="1">
-              <a:schemeClr val="accent1"/>
-            </a:fillRef>
-            <a:effectRef idx="0">
-              <a:schemeClr val="accent1"/>
-            </a:effectRef>
-            <a:fontRef idx="minor">
-              <a:schemeClr val="lt1"/>
-            </a:fontRef>
-          </p:style>
-          <p:txBody>
-            <a:bodyPr rtlCol="0" anchor="ctr"/>
-            <a:lstStyle/>
-            <a:p>
-              <a:pPr algn="ctr"/>
-              <a:r>
-                <a:rPr lang="en-US" altLang="ko-KR" sz="1400" dirty="0"/>
-                <a:t>N</a:t>
-              </a:r>
-              <a:endParaRPr lang="ko-KR" altLang="en-US" sz="1400" dirty="0"/>
-            </a:p>
-          </p:txBody>
-        </p:sp>
-        <p:sp>
-          <p:nvSpPr>
-            <p:cNvPr id="15" name="타원 14">
-              <a:extLst>
-                <a:ext uri="{FF2B5EF4-FFF2-40B4-BE49-F238E27FC236}">
-                  <a16:creationId xmlns:a16="http://schemas.microsoft.com/office/drawing/2014/main" id="{F512E4D5-FA32-166C-9904-95A1E39B1AA0}"/>
-                </a:ext>
-              </a:extLst>
-            </p:cNvPr>
-            <p:cNvSpPr/>
-            <p:nvPr/>
-          </p:nvSpPr>
-          <p:spPr>
-            <a:xfrm>
-              <a:off x="4851740" y="4140018"/>
-              <a:ext cx="216024" cy="216024"/>
-            </a:xfrm>
-            <a:prstGeom prst="ellipse">
-              <a:avLst/>
-            </a:prstGeom>
-            <a:solidFill>
-              <a:srgbClr val="FF0000"/>
-            </a:solidFill>
-            <a:ln>
-              <a:solidFill>
-                <a:srgbClr val="FF0000"/>
-              </a:solidFill>
-            </a:ln>
-          </p:spPr>
-          <p:style>
-            <a:lnRef idx="2">
-              <a:schemeClr val="accent1">
-                <a:shade val="50000"/>
-              </a:schemeClr>
-            </a:lnRef>
-            <a:fillRef idx="1">
-              <a:schemeClr val="accent1"/>
-            </a:fillRef>
-            <a:effectRef idx="0">
-              <a:schemeClr val="accent1"/>
-            </a:effectRef>
-            <a:fontRef idx="minor">
-              <a:schemeClr val="lt1"/>
-            </a:fontRef>
-          </p:style>
-          <p:txBody>
-            <a:bodyPr rtlCol="0" anchor="ctr"/>
-            <a:lstStyle/>
-            <a:p>
-              <a:pPr algn="ctr"/>
-              <a:r>
-                <a:rPr lang="en-US" altLang="ko-KR" sz="1400" dirty="0"/>
-                <a:t>N</a:t>
-              </a:r>
-              <a:endParaRPr lang="ko-KR" altLang="en-US" sz="1400" dirty="0"/>
             </a:p>
           </p:txBody>
         </p:sp>
